--- a/Web Design & Development/5. JavaScript OOP/07. RequireJS/AMD-and-RequireJS.pptx
+++ b/Web Design & Development/5. JavaScript OOP/07. RequireJS/AMD-and-RequireJS.pptx
@@ -7529,11 +7529,7 @@
           <a:p>
             <a:r>
               <a:rPr lang="en-US" dirty="0" smtClean="0"/>
-              <a:t>Homework </a:t>
-            </a:r>
-            <a:r>
-              <a:rPr lang="en-US" dirty="0" smtClean="0"/>
-              <a:t>(2)</a:t>
+              <a:t>Homework (2)</a:t>
             </a:r>
             <a:endParaRPr lang="bg-BG" dirty="0"/>
           </a:p>
@@ -7954,11 +7950,7 @@
           <a:p>
             <a:r>
               <a:rPr lang="en-US" dirty="0" smtClean="0"/>
-              <a:t>Homework </a:t>
-            </a:r>
-            <a:r>
-              <a:rPr lang="en-US" dirty="0" smtClean="0"/>
-              <a:t>(3)</a:t>
+              <a:t>Homework (3)</a:t>
             </a:r>
             <a:endParaRPr lang="bg-BG" dirty="0"/>
           </a:p>

--- a/Web Design & Development/5. JavaScript OOP/07. RequireJS/AMD-and-RequireJS.pptx
+++ b/Web Design & Development/5. JavaScript OOP/07. RequireJS/AMD-and-RequireJS.pptx
@@ -7,25 +7,27 @@
   <p:sldIdLst>
     <p:sldId id="256" r:id="rId2"/>
     <p:sldId id="257" r:id="rId3"/>
-    <p:sldId id="258" r:id="rId4"/>
-    <p:sldId id="259" r:id="rId5"/>
-    <p:sldId id="260" r:id="rId6"/>
-    <p:sldId id="264" r:id="rId7"/>
-    <p:sldId id="261" r:id="rId8"/>
-    <p:sldId id="262" r:id="rId9"/>
-    <p:sldId id="263" r:id="rId10"/>
-    <p:sldId id="265" r:id="rId11"/>
-    <p:sldId id="266" r:id="rId12"/>
-    <p:sldId id="267" r:id="rId13"/>
-    <p:sldId id="268" r:id="rId14"/>
-    <p:sldId id="269" r:id="rId15"/>
-    <p:sldId id="270" r:id="rId16"/>
-    <p:sldId id="271" r:id="rId17"/>
-    <p:sldId id="272" r:id="rId18"/>
-    <p:sldId id="273" r:id="rId19"/>
-    <p:sldId id="277" r:id="rId20"/>
-    <p:sldId id="278" r:id="rId21"/>
-    <p:sldId id="280" r:id="rId22"/>
+    <p:sldId id="281" r:id="rId4"/>
+    <p:sldId id="282" r:id="rId5"/>
+    <p:sldId id="258" r:id="rId6"/>
+    <p:sldId id="259" r:id="rId7"/>
+    <p:sldId id="260" r:id="rId8"/>
+    <p:sldId id="283" r:id="rId9"/>
+    <p:sldId id="264" r:id="rId10"/>
+    <p:sldId id="284" r:id="rId11"/>
+    <p:sldId id="262" r:id="rId12"/>
+    <p:sldId id="263" r:id="rId13"/>
+    <p:sldId id="265" r:id="rId14"/>
+    <p:sldId id="266" r:id="rId15"/>
+    <p:sldId id="267" r:id="rId16"/>
+    <p:sldId id="268" r:id="rId17"/>
+    <p:sldId id="269" r:id="rId18"/>
+    <p:sldId id="270" r:id="rId19"/>
+    <p:sldId id="271" r:id="rId20"/>
+    <p:sldId id="272" r:id="rId21"/>
+    <p:sldId id="273" r:id="rId22"/>
+    <p:sldId id="277" r:id="rId23"/>
+    <p:sldId id="278" r:id="rId24"/>
   </p:sldIdLst>
   <p:sldSz cx="9144000" cy="6858000" type="screen4x3"/>
   <p:notesSz cx="6858000" cy="9144000"/>
@@ -5454,7 +5456,7 @@
           <a:p>
             <a:r>
               <a:rPr lang="en-US" dirty="0" smtClean="0"/>
-              <a:t>RequireJS</a:t>
+              <a:t>AMD and RequireJS</a:t>
             </a:r>
             <a:endParaRPr lang="en-US" dirty="0"/>
           </a:p>
@@ -5506,8 +5508,8 @@
         </p:blipFill>
         <p:spPr bwMode="auto">
           <a:xfrm>
-            <a:off x="1590675" y="825385"/>
-            <a:ext cx="3543300" cy="2222615"/>
+            <a:off x="2622519" y="365495"/>
+            <a:ext cx="2819492" cy="1768590"/>
           </a:xfrm>
           <a:prstGeom prst="roundRect">
             <a:avLst>
@@ -5721,6 +5723,1056 @@
             <a:spLocks noGrp="1"/>
           </p:cNvSpPr>
           <p:nvPr>
+            <p:ph type="title"/>
+          </p:nvPr>
+        </p:nvSpPr>
+        <p:spPr/>
+        <p:txBody>
+          <a:bodyPr/>
+          <a:lstStyle/>
+          <a:p>
+            <a:r>
+              <a:rPr lang="en-US" dirty="0"/>
+              <a:t>Using </a:t>
+            </a:r>
+            <a:r>
+              <a:rPr lang="en-US" dirty="0" smtClean="0"/>
+              <a:t>RequireJS: Steps</a:t>
+            </a:r>
+            <a:endParaRPr lang="en-US" dirty="0"/>
+          </a:p>
+        </p:txBody>
+      </p:sp>
+      <p:sp>
+        <p:nvSpPr>
+          <p:cNvPr id="5" name="Content Placeholder 4"/>
+          <p:cNvSpPr>
+            <a:spLocks noGrp="1"/>
+          </p:cNvSpPr>
+          <p:nvPr>
+            <p:ph idx="1"/>
+          </p:nvPr>
+        </p:nvSpPr>
+        <p:spPr/>
+        <p:txBody>
+          <a:bodyPr/>
+          <a:lstStyle/>
+          <a:p>
+            <a:r>
+              <a:rPr lang="en-US" dirty="0" smtClean="0"/>
+              <a:t>To use RequireJS:</a:t>
+            </a:r>
+          </a:p>
+          <a:p>
+            <a:pPr lvl="1"/>
+            <a:r>
+              <a:rPr lang="en-US" dirty="0" smtClean="0"/>
+              <a:t>Fetch the require.js file:</a:t>
+            </a:r>
+          </a:p>
+          <a:p>
+            <a:pPr lvl="2"/>
+            <a:r>
+              <a:rPr lang="en-US" dirty="0" smtClean="0"/>
+              <a:t>Either download </a:t>
+            </a:r>
+            <a:r>
+              <a:rPr lang="en-US" dirty="0"/>
+              <a:t>it from </a:t>
+            </a:r>
+            <a:r>
+              <a:rPr lang="en-US" dirty="0" smtClean="0">
+                <a:hlinkClick r:id="rId2"/>
+              </a:rPr>
+              <a:t>RequireJS web site</a:t>
+            </a:r>
+            <a:endParaRPr lang="en-US" dirty="0"/>
+          </a:p>
+          <a:p>
+            <a:pPr lvl="2"/>
+            <a:r>
+              <a:rPr lang="en-US" dirty="0" smtClean="0"/>
+              <a:t>Or with bower:</a:t>
+            </a:r>
+          </a:p>
+          <a:p>
+            <a:pPr lvl="1"/>
+            <a:r>
+              <a:rPr lang="en-US" dirty="0" smtClean="0"/>
+              <a:t>Create an </a:t>
+            </a:r>
+            <a:r>
+              <a:rPr lang="en-US" dirty="0" smtClean="0">
+                <a:solidFill>
+                  <a:schemeClr val="accent5">
+                    <a:lumMod val="20000"/>
+                    <a:lumOff val="80000"/>
+                  </a:schemeClr>
+                </a:solidFill>
+              </a:rPr>
+              <a:t>app.js</a:t>
+            </a:r>
+            <a:r>
+              <a:rPr lang="en-US" dirty="0" smtClean="0"/>
+              <a:t> file to start your application</a:t>
+            </a:r>
+          </a:p>
+          <a:p>
+            <a:pPr lvl="1"/>
+            <a:r>
+              <a:rPr lang="en-US" dirty="0" smtClean="0"/>
+              <a:t>Create an HTML page and </a:t>
+            </a:r>
+            <a:r>
+              <a:rPr lang="en-US" dirty="0" err="1" smtClean="0"/>
+              <a:t>src</a:t>
+            </a:r>
+            <a:r>
+              <a:rPr lang="en-US" dirty="0" smtClean="0"/>
+              <a:t> the RequireJS file</a:t>
+            </a:r>
+          </a:p>
+          <a:p>
+            <a:pPr lvl="2"/>
+            <a:r>
+              <a:rPr lang="en-US" dirty="0" smtClean="0"/>
+              <a:t>And set the data-main attribute to the app.js file</a:t>
+            </a:r>
+            <a:br>
+              <a:rPr lang="en-US" dirty="0" smtClean="0"/>
+            </a:br>
+            <a:endParaRPr lang="en-US" dirty="0" smtClean="0"/>
+          </a:p>
+          <a:p>
+            <a:pPr lvl="2"/>
+            <a:endParaRPr lang="en-US" dirty="0"/>
+          </a:p>
+        </p:txBody>
+      </p:sp>
+      <p:sp>
+        <p:nvSpPr>
+          <p:cNvPr id="6" name="Text Placeholder 3"/>
+          <p:cNvSpPr txBox="1">
+            <a:spLocks/>
+          </p:cNvSpPr>
+          <p:nvPr/>
+        </p:nvSpPr>
+        <p:spPr>
+          <a:xfrm>
+            <a:off x="3766167" y="2880584"/>
+            <a:ext cx="3796683" cy="400110"/>
+          </a:xfrm>
+          <a:prstGeom prst="rect">
+            <a:avLst/>
+          </a:prstGeom>
+          <a:solidFill>
+            <a:schemeClr val="accent5">
+              <a:lumMod val="40000"/>
+              <a:lumOff val="60000"/>
+              <a:alpha val="15000"/>
+            </a:schemeClr>
+          </a:solidFill>
+          <a:ln w="12700">
+            <a:solidFill>
+              <a:schemeClr val="accent5">
+                <a:lumMod val="60000"/>
+                <a:lumOff val="40000"/>
+              </a:schemeClr>
+            </a:solidFill>
+          </a:ln>
+        </p:spPr>
+        <p:txBody>
+          <a:bodyPr wrap="square">
+            <a:spAutoFit/>
+          </a:bodyPr>
+          <a:lstStyle>
+            <a:lvl1pPr indent="0" fontAlgn="base">
+              <a:spcBef>
+                <a:spcPts val="0"/>
+              </a:spcBef>
+              <a:spcAft>
+                <a:spcPct val="0"/>
+              </a:spcAft>
+              <a:buClr>
+                <a:schemeClr val="accent5">
+                  <a:lumMod val="40000"/>
+                  <a:lumOff val="60000"/>
+                </a:schemeClr>
+              </a:buClr>
+              <a:buSzPct val="70000"/>
+              <a:buFont typeface="Wingdings 2" pitchFamily="18" charset="2"/>
+              <a:buNone/>
+              <a:defRPr lang="en-US" sz="2000" b="1" smtClean="0">
+                <a:solidFill>
+                  <a:srgbClr val="8CF4F2"/>
+                </a:solidFill>
+                <a:effectLst>
+                  <a:outerShdw blurRad="38100" dist="38100" dir="2700000" algn="tl">
+                    <a:srgbClr val="000000">
+                      <a:alpha val="43137"/>
+                    </a:srgbClr>
+                  </a:outerShdw>
+                </a:effectLst>
+                <a:latin typeface="Consolas" pitchFamily="49" charset="0"/>
+                <a:cs typeface="Consolas" pitchFamily="49" charset="0"/>
+              </a:defRPr>
+            </a:lvl1pPr>
+            <a:lvl2pPr marL="630238" indent="-273050" fontAlgn="base">
+              <a:spcBef>
+                <a:spcPct val="20000"/>
+              </a:spcBef>
+              <a:spcAft>
+                <a:spcPct val="0"/>
+              </a:spcAft>
+              <a:buClr>
+                <a:schemeClr val="accent2">
+                  <a:lumMod val="60000"/>
+                  <a:lumOff val="40000"/>
+                </a:schemeClr>
+              </a:buClr>
+              <a:buFont typeface="Wingdings 2" pitchFamily="18" charset="2"/>
+              <a:buChar char=""/>
+              <a:defRPr sz="3000" b="1">
+                <a:solidFill>
+                  <a:schemeClr val="tx1">
+                    <a:lumMod val="20000"/>
+                    <a:lumOff val="80000"/>
+                  </a:schemeClr>
+                </a:solidFill>
+                <a:effectLst>
+                  <a:outerShdw blurRad="38100" dist="38100" dir="2700000" algn="tl">
+                    <a:srgbClr val="000000">
+                      <a:alpha val="43137"/>
+                    </a:srgbClr>
+                  </a:outerShdw>
+                </a:effectLst>
+              </a:defRPr>
+            </a:lvl2pPr>
+            <a:lvl3pPr marL="922338" indent="-273050" fontAlgn="base">
+              <a:spcBef>
+                <a:spcPct val="20000"/>
+              </a:spcBef>
+              <a:spcAft>
+                <a:spcPct val="0"/>
+              </a:spcAft>
+              <a:buClr>
+                <a:schemeClr val="tx1">
+                  <a:lumMod val="50000"/>
+                </a:schemeClr>
+              </a:buClr>
+              <a:buFont typeface="Wingdings 2" pitchFamily="18" charset="2"/>
+              <a:buChar char=""/>
+              <a:defRPr sz="2800" b="1">
+                <a:solidFill>
+                  <a:schemeClr val="tx1">
+                    <a:lumMod val="20000"/>
+                    <a:lumOff val="80000"/>
+                  </a:schemeClr>
+                </a:solidFill>
+                <a:effectLst>
+                  <a:outerShdw blurRad="38100" dist="38100" dir="2700000" algn="tl">
+                    <a:srgbClr val="000000">
+                      <a:alpha val="43137"/>
+                    </a:srgbClr>
+                  </a:outerShdw>
+                </a:effectLst>
+              </a:defRPr>
+            </a:lvl3pPr>
+            <a:lvl4pPr marL="1187450" indent="-228600" fontAlgn="base">
+              <a:spcBef>
+                <a:spcPct val="20000"/>
+              </a:spcBef>
+              <a:spcAft>
+                <a:spcPct val="0"/>
+              </a:spcAft>
+              <a:buClr>
+                <a:srgbClr val="F8BD52"/>
+              </a:buClr>
+              <a:buFont typeface="Wingdings 2" pitchFamily="18" charset="2"/>
+              <a:buChar char=""/>
+              <a:defRPr sz="2600" b="1">
+                <a:solidFill>
+                  <a:schemeClr val="tx1">
+                    <a:lumMod val="20000"/>
+                    <a:lumOff val="80000"/>
+                  </a:schemeClr>
+                </a:solidFill>
+                <a:effectLst>
+                  <a:outerShdw blurRad="38100" dist="38100" dir="2700000" algn="tl">
+                    <a:srgbClr val="000000">
+                      <a:alpha val="43137"/>
+                    </a:srgbClr>
+                  </a:outerShdw>
+                </a:effectLst>
+              </a:defRPr>
+            </a:lvl4pPr>
+            <a:lvl5pPr marL="1425575" indent="-228600" fontAlgn="base">
+              <a:spcBef>
+                <a:spcPct val="20000"/>
+              </a:spcBef>
+              <a:spcAft>
+                <a:spcPct val="0"/>
+              </a:spcAft>
+              <a:buClr>
+                <a:srgbClr val="46A6BD"/>
+              </a:buClr>
+              <a:buFont typeface="Wingdings 2" pitchFamily="18" charset="2"/>
+              <a:buChar char=""/>
+              <a:defRPr sz="2400" b="1">
+                <a:solidFill>
+                  <a:schemeClr val="tx1">
+                    <a:lumMod val="20000"/>
+                    <a:lumOff val="80000"/>
+                  </a:schemeClr>
+                </a:solidFill>
+                <a:effectLst>
+                  <a:outerShdw blurRad="38100" dist="38100" dir="2700000" algn="tl">
+                    <a:srgbClr val="000000">
+                      <a:alpha val="43137"/>
+                    </a:srgbClr>
+                  </a:outerShdw>
+                </a:effectLst>
+              </a:defRPr>
+            </a:lvl5pPr>
+            <a:lvl6pPr marL="1673352" indent="-228600">
+              <a:spcBef>
+                <a:spcPct val="20000"/>
+              </a:spcBef>
+              <a:buClr>
+                <a:schemeClr val="accent6"/>
+              </a:buClr>
+              <a:buFont typeface="Wingdings 2"/>
+              <a:buChar char=""/>
+            </a:lvl6pPr>
+            <a:lvl7pPr marL="1911096" indent="-228600">
+              <a:spcBef>
+                <a:spcPct val="20000"/>
+              </a:spcBef>
+              <a:buClr>
+                <a:schemeClr val="tx2"/>
+              </a:buClr>
+              <a:buFont typeface="Wingdings 2"/>
+              <a:buChar char=""/>
+              <a:defRPr sz="1600"/>
+            </a:lvl7pPr>
+            <a:lvl8pPr marL="2121408" indent="-182880">
+              <a:spcBef>
+                <a:spcPct val="20000"/>
+              </a:spcBef>
+              <a:buClr>
+                <a:schemeClr val="tx2"/>
+              </a:buClr>
+              <a:buFont typeface="Wingdings 2"/>
+              <a:buChar char=""/>
+              <a:defRPr sz="1400"/>
+            </a:lvl8pPr>
+            <a:lvl9pPr marL="2322576" indent="-182880">
+              <a:spcBef>
+                <a:spcPct val="20000"/>
+              </a:spcBef>
+              <a:buClr>
+                <a:schemeClr val="tx2"/>
+              </a:buClr>
+              <a:buFont typeface="Wingdings 2"/>
+              <a:buChar char=""/>
+              <a:defRPr sz="1400"/>
+            </a:lvl9pPr>
+          </a:lstStyle>
+          <a:p>
+            <a:r>
+              <a:rPr lang="en-US" dirty="0" smtClean="0"/>
+              <a:t>$ bower install </a:t>
+            </a:r>
+            <a:r>
+              <a:rPr lang="en-US" dirty="0" err="1" smtClean="0"/>
+              <a:t>requirejs</a:t>
+            </a:r>
+            <a:endParaRPr lang="en-US" dirty="0"/>
+          </a:p>
+        </p:txBody>
+      </p:sp>
+      <p:sp>
+        <p:nvSpPr>
+          <p:cNvPr id="7" name="Text Placeholder 3"/>
+          <p:cNvSpPr txBox="1">
+            <a:spLocks/>
+          </p:cNvSpPr>
+          <p:nvPr/>
+        </p:nvSpPr>
+        <p:spPr>
+          <a:xfrm>
+            <a:off x="771524" y="5246878"/>
+            <a:ext cx="7600952" cy="707886"/>
+          </a:xfrm>
+          <a:prstGeom prst="rect">
+            <a:avLst/>
+          </a:prstGeom>
+          <a:solidFill>
+            <a:schemeClr val="accent5">
+              <a:lumMod val="40000"/>
+              <a:lumOff val="60000"/>
+              <a:alpha val="15000"/>
+            </a:schemeClr>
+          </a:solidFill>
+          <a:ln w="12700">
+            <a:solidFill>
+              <a:schemeClr val="accent5">
+                <a:lumMod val="60000"/>
+                <a:lumOff val="40000"/>
+              </a:schemeClr>
+            </a:solidFill>
+          </a:ln>
+        </p:spPr>
+        <p:txBody>
+          <a:bodyPr wrap="square">
+            <a:spAutoFit/>
+          </a:bodyPr>
+          <a:lstStyle>
+            <a:lvl1pPr indent="0" fontAlgn="base">
+              <a:spcBef>
+                <a:spcPts val="0"/>
+              </a:spcBef>
+              <a:spcAft>
+                <a:spcPct val="0"/>
+              </a:spcAft>
+              <a:buClr>
+                <a:schemeClr val="accent5">
+                  <a:lumMod val="40000"/>
+                  <a:lumOff val="60000"/>
+                </a:schemeClr>
+              </a:buClr>
+              <a:buSzPct val="70000"/>
+              <a:buFont typeface="Wingdings 2" pitchFamily="18" charset="2"/>
+              <a:buNone/>
+              <a:defRPr lang="en-US" sz="2000" b="1" smtClean="0">
+                <a:solidFill>
+                  <a:srgbClr val="8CF4F2"/>
+                </a:solidFill>
+                <a:effectLst>
+                  <a:outerShdw blurRad="38100" dist="38100" dir="2700000" algn="tl">
+                    <a:srgbClr val="000000">
+                      <a:alpha val="43137"/>
+                    </a:srgbClr>
+                  </a:outerShdw>
+                </a:effectLst>
+                <a:latin typeface="Consolas" pitchFamily="49" charset="0"/>
+                <a:cs typeface="Consolas" pitchFamily="49" charset="0"/>
+              </a:defRPr>
+            </a:lvl1pPr>
+            <a:lvl2pPr marL="630238" indent="-273050" fontAlgn="base">
+              <a:spcBef>
+                <a:spcPct val="20000"/>
+              </a:spcBef>
+              <a:spcAft>
+                <a:spcPct val="0"/>
+              </a:spcAft>
+              <a:buClr>
+                <a:schemeClr val="accent2">
+                  <a:lumMod val="60000"/>
+                  <a:lumOff val="40000"/>
+                </a:schemeClr>
+              </a:buClr>
+              <a:buFont typeface="Wingdings 2" pitchFamily="18" charset="2"/>
+              <a:buChar char=""/>
+              <a:defRPr sz="3000" b="1">
+                <a:solidFill>
+                  <a:schemeClr val="tx1">
+                    <a:lumMod val="20000"/>
+                    <a:lumOff val="80000"/>
+                  </a:schemeClr>
+                </a:solidFill>
+                <a:effectLst>
+                  <a:outerShdw blurRad="38100" dist="38100" dir="2700000" algn="tl">
+                    <a:srgbClr val="000000">
+                      <a:alpha val="43137"/>
+                    </a:srgbClr>
+                  </a:outerShdw>
+                </a:effectLst>
+              </a:defRPr>
+            </a:lvl2pPr>
+            <a:lvl3pPr marL="922338" indent="-273050" fontAlgn="base">
+              <a:spcBef>
+                <a:spcPct val="20000"/>
+              </a:spcBef>
+              <a:spcAft>
+                <a:spcPct val="0"/>
+              </a:spcAft>
+              <a:buClr>
+                <a:schemeClr val="tx1">
+                  <a:lumMod val="50000"/>
+                </a:schemeClr>
+              </a:buClr>
+              <a:buFont typeface="Wingdings 2" pitchFamily="18" charset="2"/>
+              <a:buChar char=""/>
+              <a:defRPr sz="2800" b="1">
+                <a:solidFill>
+                  <a:schemeClr val="tx1">
+                    <a:lumMod val="20000"/>
+                    <a:lumOff val="80000"/>
+                  </a:schemeClr>
+                </a:solidFill>
+                <a:effectLst>
+                  <a:outerShdw blurRad="38100" dist="38100" dir="2700000" algn="tl">
+                    <a:srgbClr val="000000">
+                      <a:alpha val="43137"/>
+                    </a:srgbClr>
+                  </a:outerShdw>
+                </a:effectLst>
+              </a:defRPr>
+            </a:lvl3pPr>
+            <a:lvl4pPr marL="1187450" indent="-228600" fontAlgn="base">
+              <a:spcBef>
+                <a:spcPct val="20000"/>
+              </a:spcBef>
+              <a:spcAft>
+                <a:spcPct val="0"/>
+              </a:spcAft>
+              <a:buClr>
+                <a:srgbClr val="F8BD52"/>
+              </a:buClr>
+              <a:buFont typeface="Wingdings 2" pitchFamily="18" charset="2"/>
+              <a:buChar char=""/>
+              <a:defRPr sz="2600" b="1">
+                <a:solidFill>
+                  <a:schemeClr val="tx1">
+                    <a:lumMod val="20000"/>
+                    <a:lumOff val="80000"/>
+                  </a:schemeClr>
+                </a:solidFill>
+                <a:effectLst>
+                  <a:outerShdw blurRad="38100" dist="38100" dir="2700000" algn="tl">
+                    <a:srgbClr val="000000">
+                      <a:alpha val="43137"/>
+                    </a:srgbClr>
+                  </a:outerShdw>
+                </a:effectLst>
+              </a:defRPr>
+            </a:lvl4pPr>
+            <a:lvl5pPr marL="1425575" indent="-228600" fontAlgn="base">
+              <a:spcBef>
+                <a:spcPct val="20000"/>
+              </a:spcBef>
+              <a:spcAft>
+                <a:spcPct val="0"/>
+              </a:spcAft>
+              <a:buClr>
+                <a:srgbClr val="46A6BD"/>
+              </a:buClr>
+              <a:buFont typeface="Wingdings 2" pitchFamily="18" charset="2"/>
+              <a:buChar char=""/>
+              <a:defRPr sz="2400" b="1">
+                <a:solidFill>
+                  <a:schemeClr val="tx1">
+                    <a:lumMod val="20000"/>
+                    <a:lumOff val="80000"/>
+                  </a:schemeClr>
+                </a:solidFill>
+                <a:effectLst>
+                  <a:outerShdw blurRad="38100" dist="38100" dir="2700000" algn="tl">
+                    <a:srgbClr val="000000">
+                      <a:alpha val="43137"/>
+                    </a:srgbClr>
+                  </a:outerShdw>
+                </a:effectLst>
+              </a:defRPr>
+            </a:lvl5pPr>
+            <a:lvl6pPr marL="1673352" indent="-228600">
+              <a:spcBef>
+                <a:spcPct val="20000"/>
+              </a:spcBef>
+              <a:buClr>
+                <a:schemeClr val="accent6"/>
+              </a:buClr>
+              <a:buFont typeface="Wingdings 2"/>
+              <a:buChar char=""/>
+            </a:lvl6pPr>
+            <a:lvl7pPr marL="1911096" indent="-228600">
+              <a:spcBef>
+                <a:spcPct val="20000"/>
+              </a:spcBef>
+              <a:buClr>
+                <a:schemeClr val="tx2"/>
+              </a:buClr>
+              <a:buFont typeface="Wingdings 2"/>
+              <a:buChar char=""/>
+              <a:defRPr sz="1600"/>
+            </a:lvl7pPr>
+            <a:lvl8pPr marL="2121408" indent="-182880">
+              <a:spcBef>
+                <a:spcPct val="20000"/>
+              </a:spcBef>
+              <a:buClr>
+                <a:schemeClr val="tx2"/>
+              </a:buClr>
+              <a:buFont typeface="Wingdings 2"/>
+              <a:buChar char=""/>
+              <a:defRPr sz="1400"/>
+            </a:lvl8pPr>
+            <a:lvl9pPr marL="2322576" indent="-182880">
+              <a:spcBef>
+                <a:spcPct val="20000"/>
+              </a:spcBef>
+              <a:buClr>
+                <a:schemeClr val="tx2"/>
+              </a:buClr>
+              <a:buFont typeface="Wingdings 2"/>
+              <a:buChar char=""/>
+              <a:defRPr sz="1400"/>
+            </a:lvl9pPr>
+          </a:lstStyle>
+          <a:p>
+            <a:r>
+              <a:rPr lang="en-US" dirty="0" smtClean="0"/>
+              <a:t>&lt;script </a:t>
+            </a:r>
+            <a:r>
+              <a:rPr lang="en-US" dirty="0" err="1" smtClean="0"/>
+              <a:t>src</a:t>
+            </a:r>
+            <a:r>
+              <a:rPr lang="en-US" dirty="0" smtClean="0"/>
+              <a:t>="scripts/libs/require.js"</a:t>
+            </a:r>
+            <a:br>
+              <a:rPr lang="en-US" dirty="0" smtClean="0"/>
+            </a:br>
+            <a:r>
+              <a:rPr lang="en-US" dirty="0" smtClean="0"/>
+              <a:t>        data-main="scripts/app/app"&gt;&lt;/script&gt;</a:t>
+            </a:r>
+            <a:endParaRPr lang="en-US" dirty="0"/>
+          </a:p>
+        </p:txBody>
+      </p:sp>
+    </p:spTree>
+    <p:extLst>
+      <p:ext uri="{BB962C8B-B14F-4D97-AF65-F5344CB8AC3E}">
+        <p14:creationId xmlns:p14="http://schemas.microsoft.com/office/powerpoint/2010/main" val="3561149317"/>
+      </p:ext>
+    </p:extLst>
+  </p:cSld>
+  <p:clrMapOvr>
+    <a:masterClrMapping/>
+  </p:clrMapOvr>
+  <p:timing>
+    <p:tnLst>
+      <p:par>
+        <p:cTn id="1" dur="indefinite" restart="never" nodeType="tmRoot"/>
+      </p:par>
+    </p:tnLst>
+  </p:timing>
+</p:sld>
+</file>
+
+<file path=ppt/slides/slide11.xml><?xml version="1.0" encoding="utf-8"?>
+<p:sld xmlns:a="http://schemas.openxmlformats.org/drawingml/2006/main" xmlns:r="http://schemas.openxmlformats.org/officeDocument/2006/relationships" xmlns:p="http://schemas.openxmlformats.org/presentationml/2006/main">
+  <p:cSld>
+    <p:spTree>
+      <p:nvGrpSpPr>
+        <p:cNvPr id="1" name=""/>
+        <p:cNvGrpSpPr/>
+        <p:nvPr/>
+      </p:nvGrpSpPr>
+      <p:grpSpPr>
+        <a:xfrm>
+          <a:off x="0" y="0"/>
+          <a:ext cx="0" cy="0"/>
+          <a:chOff x="0" y="0"/>
+          <a:chExt cx="0" cy="0"/>
+        </a:xfrm>
+      </p:grpSpPr>
+      <p:sp>
+        <p:nvSpPr>
+          <p:cNvPr id="2" name="Title 1"/>
+          <p:cNvSpPr>
+            <a:spLocks noGrp="1"/>
+          </p:cNvSpPr>
+          <p:nvPr>
+            <p:ph type="title"/>
+          </p:nvPr>
+        </p:nvSpPr>
+        <p:spPr/>
+        <p:txBody>
+          <a:bodyPr/>
+          <a:lstStyle/>
+          <a:p>
+            <a:r>
+              <a:rPr lang="en-US" dirty="0" smtClean="0"/>
+              <a:t>The app.js file</a:t>
+            </a:r>
+            <a:endParaRPr lang="en-US" dirty="0"/>
+          </a:p>
+        </p:txBody>
+      </p:sp>
+      <p:sp>
+        <p:nvSpPr>
+          <p:cNvPr id="3" name="Content Placeholder 2"/>
+          <p:cNvSpPr>
+            <a:spLocks noGrp="1"/>
+          </p:cNvSpPr>
+          <p:nvPr>
+            <p:ph idx="1"/>
+          </p:nvPr>
+        </p:nvSpPr>
+        <p:spPr>
+          <a:xfrm>
+            <a:off x="228600" y="990600"/>
+            <a:ext cx="8686800" cy="1749197"/>
+          </a:xfrm>
+        </p:spPr>
+        <p:txBody>
+          <a:bodyPr/>
+          <a:lstStyle/>
+          <a:p>
+            <a:r>
+              <a:rPr lang="en-US" dirty="0" smtClean="0"/>
+              <a:t>The app.js is the file, that starts your application</a:t>
+            </a:r>
+          </a:p>
+          <a:p>
+            <a:pPr lvl="1"/>
+            <a:r>
+              <a:rPr lang="en-US" dirty="0" smtClean="0"/>
+              <a:t>It has dependencies to other </a:t>
+            </a:r>
+            <a:r>
+              <a:rPr lang="en-US" dirty="0" err="1" smtClean="0"/>
+              <a:t>RequreJS</a:t>
+            </a:r>
+            <a:r>
+              <a:rPr lang="en-US" dirty="0" smtClean="0"/>
+              <a:t> modules</a:t>
+            </a:r>
+          </a:p>
+          <a:p>
+            <a:endParaRPr lang="en-US" dirty="0" smtClean="0"/>
+          </a:p>
+        </p:txBody>
+      </p:sp>
+      <p:sp>
+        <p:nvSpPr>
+          <p:cNvPr id="4" name="Text Placeholder 3"/>
+          <p:cNvSpPr>
+            <a:spLocks noGrp="1"/>
+          </p:cNvSpPr>
+          <p:nvPr>
+            <p:ph type="body" sz="quarter" idx="11"/>
+          </p:nvPr>
+        </p:nvSpPr>
+        <p:spPr>
+          <a:xfrm>
+            <a:off x="533400" y="2105024"/>
+            <a:ext cx="8077200" cy="4000501"/>
+          </a:xfrm>
+        </p:spPr>
+        <p:txBody>
+          <a:bodyPr/>
+          <a:lstStyle/>
+          <a:p>
+            <a:r>
+              <a:rPr lang="en-US" dirty="0" smtClean="0"/>
+              <a:t>//app.js</a:t>
+            </a:r>
+          </a:p>
+          <a:p>
+            <a:r>
+              <a:rPr lang="en-US" dirty="0"/>
+              <a:t>(function () {</a:t>
+            </a:r>
+          </a:p>
+          <a:p>
+            <a:r>
+              <a:rPr lang="en-US" dirty="0" smtClean="0"/>
+              <a:t>  </a:t>
+            </a:r>
+            <a:r>
+              <a:rPr lang="en-US" dirty="0" err="1" smtClean="0"/>
+              <a:t>require.config</a:t>
+            </a:r>
+            <a:r>
+              <a:rPr lang="en-US" dirty="0"/>
+              <a:t>({</a:t>
+            </a:r>
+          </a:p>
+          <a:p>
+            <a:r>
+              <a:rPr lang="en-US" dirty="0" smtClean="0"/>
+              <a:t>    paths</a:t>
+            </a:r>
+            <a:r>
+              <a:rPr lang="en-US" dirty="0"/>
+              <a:t>: {</a:t>
+            </a:r>
+          </a:p>
+          <a:p>
+            <a:r>
+              <a:rPr lang="en-US" dirty="0" smtClean="0"/>
+              <a:t>      "</a:t>
+            </a:r>
+            <a:r>
+              <a:rPr lang="en-US" dirty="0" err="1"/>
+              <a:t>jquery</a:t>
+            </a:r>
+            <a:r>
+              <a:rPr lang="en-US" dirty="0"/>
+              <a:t>": "libs/jquery-2.0.3</a:t>
+            </a:r>
+            <a:r>
+              <a:rPr lang="en-US" dirty="0" smtClean="0"/>
+              <a:t>"</a:t>
+            </a:r>
+          </a:p>
+          <a:p>
+            <a:r>
+              <a:rPr lang="en-US" dirty="0"/>
+              <a:t> </a:t>
+            </a:r>
+            <a:r>
+              <a:rPr lang="en-US" dirty="0" smtClean="0"/>
+              <a:t>   }</a:t>
+            </a:r>
+            <a:endParaRPr lang="en-US" dirty="0"/>
+          </a:p>
+          <a:p>
+            <a:r>
+              <a:rPr lang="en-US" dirty="0" smtClean="0"/>
+              <a:t>});</a:t>
+            </a:r>
+            <a:endParaRPr lang="en-US" dirty="0"/>
+          </a:p>
+          <a:p>
+            <a:endParaRPr lang="en-US" dirty="0"/>
+          </a:p>
+          <a:p>
+            <a:r>
+              <a:rPr lang="en-US" dirty="0"/>
+              <a:t>require(["</a:t>
+            </a:r>
+            <a:r>
+              <a:rPr lang="en-US" dirty="0" err="1"/>
+              <a:t>jquery</a:t>
+            </a:r>
+            <a:r>
+              <a:rPr lang="en-US" dirty="0"/>
+              <a:t>"], function () </a:t>
+            </a:r>
+            <a:r>
+              <a:rPr lang="en-US" dirty="0" smtClean="0"/>
+              <a:t>{</a:t>
+            </a:r>
+          </a:p>
+          <a:p>
+            <a:r>
+              <a:rPr lang="en-US" dirty="0"/>
+              <a:t> </a:t>
+            </a:r>
+            <a:r>
+              <a:rPr lang="en-US" dirty="0" smtClean="0"/>
+              <a:t>   //write your jQuery-dependent code here</a:t>
+            </a:r>
+            <a:endParaRPr lang="en-US" dirty="0"/>
+          </a:p>
+          <a:p>
+            <a:r>
+              <a:rPr lang="en-US" dirty="0" smtClean="0"/>
+              <a:t>  });</a:t>
+            </a:r>
+            <a:endParaRPr lang="en-US" dirty="0"/>
+          </a:p>
+          <a:p>
+            <a:r>
+              <a:rPr lang="en-US" dirty="0"/>
+              <a:t>}());</a:t>
+            </a:r>
+          </a:p>
+          <a:p>
+            <a:endParaRPr lang="en-US" dirty="0"/>
+          </a:p>
+        </p:txBody>
+      </p:sp>
+    </p:spTree>
+    <p:extLst>
+      <p:ext uri="{BB962C8B-B14F-4D97-AF65-F5344CB8AC3E}">
+        <p14:creationId xmlns:p14="http://schemas.microsoft.com/office/powerpoint/2010/main" val="2146841661"/>
+      </p:ext>
+    </p:extLst>
+  </p:cSld>
+  <p:clrMapOvr>
+    <a:masterClrMapping/>
+  </p:clrMapOvr>
+  <p:timing>
+    <p:tnLst>
+      <p:par>
+        <p:cTn id="1" dur="indefinite" restart="never" nodeType="tmRoot"/>
+      </p:par>
+    </p:tnLst>
+  </p:timing>
+</p:sld>
+</file>
+
+<file path=ppt/slides/slide12.xml><?xml version="1.0" encoding="utf-8"?>
+<p:sld xmlns:a="http://schemas.openxmlformats.org/drawingml/2006/main" xmlns:r="http://schemas.openxmlformats.org/officeDocument/2006/relationships" xmlns:p="http://schemas.openxmlformats.org/presentationml/2006/main">
+  <p:cSld>
+    <p:spTree>
+      <p:nvGrpSpPr>
+        <p:cNvPr id="1" name=""/>
+        <p:cNvGrpSpPr/>
+        <p:nvPr/>
+      </p:nvGrpSpPr>
+      <p:grpSpPr>
+        <a:xfrm>
+          <a:off x="0" y="0"/>
+          <a:ext cx="0" cy="0"/>
+          <a:chOff x="0" y="0"/>
+          <a:chExt cx="0" cy="0"/>
+        </a:xfrm>
+      </p:grpSpPr>
+      <p:sp>
+        <p:nvSpPr>
+          <p:cNvPr id="5" name="Title 4"/>
+          <p:cNvSpPr>
+            <a:spLocks noGrp="1"/>
+          </p:cNvSpPr>
+          <p:nvPr>
+            <p:ph type="ctrTitle"/>
+          </p:nvPr>
+        </p:nvSpPr>
+        <p:spPr>
+          <a:xfrm>
+            <a:off x="609600" y="939801"/>
+            <a:ext cx="7924800" cy="685800"/>
+          </a:xfrm>
+        </p:spPr>
+        <p:txBody>
+          <a:bodyPr/>
+          <a:lstStyle/>
+          <a:p>
+            <a:r>
+              <a:rPr lang="en-US" dirty="0" smtClean="0"/>
+              <a:t>Using RequireJS</a:t>
+            </a:r>
+            <a:endParaRPr lang="en-US" dirty="0"/>
+          </a:p>
+        </p:txBody>
+      </p:sp>
+      <p:sp>
+        <p:nvSpPr>
+          <p:cNvPr id="6" name="Subtitle 5"/>
+          <p:cNvSpPr>
+            <a:spLocks noGrp="1"/>
+          </p:cNvSpPr>
+          <p:nvPr>
+            <p:ph type="subTitle" idx="1"/>
+          </p:nvPr>
+        </p:nvSpPr>
+        <p:spPr>
+          <a:xfrm>
+            <a:off x="609600" y="1666080"/>
+            <a:ext cx="7924800" cy="569120"/>
+          </a:xfrm>
+        </p:spPr>
+        <p:txBody>
+          <a:bodyPr/>
+          <a:lstStyle/>
+          <a:p>
+            <a:r>
+              <a:rPr lang="en-US" dirty="0" smtClean="0"/>
+              <a:t>Live Demo</a:t>
+            </a:r>
+            <a:endParaRPr lang="en-US" dirty="0"/>
+          </a:p>
+        </p:txBody>
+      </p:sp>
+      <p:pic>
+        <p:nvPicPr>
+          <p:cNvPr id="3076" name="Picture 4" descr="http://upload.wikimedia.org/wikipedia/en/7/76/Gc_squad_config.PNG"/>
+          <p:cNvPicPr>
+            <a:picLocks noChangeAspect="1" noChangeArrowheads="1"/>
+          </p:cNvPicPr>
+          <p:nvPr/>
+        </p:nvPicPr>
+        <p:blipFill>
+          <a:blip r:embed="rId2">
+            <a:extLst>
+              <a:ext uri="{28A0092B-C50C-407E-A947-70E740481C1C}">
+                <a14:useLocalDpi xmlns:a14="http://schemas.microsoft.com/office/drawing/2010/main" val="0"/>
+              </a:ext>
+            </a:extLst>
+          </a:blip>
+          <a:srcRect/>
+          <a:stretch>
+            <a:fillRect/>
+          </a:stretch>
+        </p:blipFill>
+        <p:spPr bwMode="auto">
+          <a:xfrm>
+            <a:off x="1333500" y="2393706"/>
+            <a:ext cx="6477000" cy="3861288"/>
+          </a:xfrm>
+          <a:prstGeom prst="roundRect">
+            <a:avLst>
+              <a:gd name="adj" fmla="val 3867"/>
+            </a:avLst>
+          </a:prstGeom>
+          <a:solidFill>
+            <a:srgbClr val="FFFFFF"/>
+          </a:solidFill>
+          <a:ln>
+            <a:solidFill>
+              <a:schemeClr val="accent5">
+                <a:lumMod val="20000"/>
+                <a:lumOff val="80000"/>
+              </a:schemeClr>
+            </a:solidFill>
+          </a:ln>
+          <a:effectLst/>
+          <a:extLst/>
+        </p:spPr>
+      </p:pic>
+    </p:spTree>
+    <p:extLst>
+      <p:ext uri="{BB962C8B-B14F-4D97-AF65-F5344CB8AC3E}">
+        <p14:creationId xmlns:p14="http://schemas.microsoft.com/office/powerpoint/2010/main" val="4174756272"/>
+      </p:ext>
+    </p:extLst>
+  </p:cSld>
+  <p:clrMapOvr>
+    <a:masterClrMapping/>
+  </p:clrMapOvr>
+  <p:timing>
+    <p:tnLst>
+      <p:par>
+        <p:cTn id="1" dur="indefinite" restart="never" nodeType="tmRoot"/>
+      </p:par>
+    </p:tnLst>
+  </p:timing>
+</p:sld>
+</file>
+
+<file path=ppt/slides/slide13.xml><?xml version="1.0" encoding="utf-8"?>
+<p:sld xmlns:a="http://schemas.openxmlformats.org/drawingml/2006/main" xmlns:r="http://schemas.openxmlformats.org/officeDocument/2006/relationships" xmlns:p="http://schemas.openxmlformats.org/presentationml/2006/main">
+  <p:cSld>
+    <p:spTree>
+      <p:nvGrpSpPr>
+        <p:cNvPr id="1" name=""/>
+        <p:cNvGrpSpPr/>
+        <p:nvPr/>
+      </p:nvGrpSpPr>
+      <p:grpSpPr>
+        <a:xfrm>
+          <a:off x="0" y="0"/>
+          <a:ext cx="0" cy="0"/>
+          <a:chOff x="0" y="0"/>
+          <a:chExt cx="0" cy="0"/>
+        </a:xfrm>
+      </p:grpSpPr>
+      <p:sp>
+        <p:nvSpPr>
+          <p:cNvPr id="4" name="Title 3"/>
+          <p:cNvSpPr>
+            <a:spLocks noGrp="1"/>
+          </p:cNvSpPr>
+          <p:nvPr>
             <p:ph type="ctrTitle"/>
           </p:nvPr>
         </p:nvSpPr>
@@ -5817,7 +6869,7 @@
 </p:sld>
 </file>
 
-<file path=ppt/slides/slide11.xml><?xml version="1.0" encoding="utf-8"?>
+<file path=ppt/slides/slide14.xml><?xml version="1.0" encoding="utf-8"?>
 <p:sld xmlns:a="http://schemas.openxmlformats.org/drawingml/2006/main" xmlns:r="http://schemas.openxmlformats.org/officeDocument/2006/relationships" xmlns:p="http://schemas.openxmlformats.org/presentationml/2006/main">
   <p:cSld>
     <p:spTree>
@@ -5867,14 +6919,19 @@
             <p:ph idx="1"/>
           </p:nvPr>
         </p:nvSpPr>
-        <p:spPr/>
+        <p:spPr>
+          <a:xfrm>
+            <a:off x="228600" y="914400"/>
+            <a:ext cx="8686800" cy="5791199"/>
+          </a:xfrm>
+        </p:spPr>
         <p:txBody>
           <a:bodyPr/>
           <a:lstStyle/>
           <a:p>
             <a:r>
               <a:rPr lang="en-US" dirty="0" smtClean="0"/>
-              <a:t>A module is a well-scoped object that avoids polluting the global namespace</a:t>
+              <a:t>A module is a well-scoped object that avoids polluting the global scope</a:t>
             </a:r>
           </a:p>
           <a:p>
@@ -5910,11 +6967,11 @@
           <a:p>
             <a:r>
               <a:rPr lang="en-US" dirty="0" smtClean="0"/>
-              <a:t>Modules </a:t>
+              <a:t>The RequireJS module is an </a:t>
             </a:r>
             <a:r>
               <a:rPr lang="en-US" dirty="0"/>
-              <a:t>in RequireJS are an extension of the Module </a:t>
+              <a:t>extension of the Module </a:t>
             </a:r>
             <a:r>
               <a:rPr lang="en-US" dirty="0" smtClean="0"/>
@@ -5944,7 +7001,7 @@
 </p:sld>
 </file>
 
-<file path=ppt/slides/slide12.xml><?xml version="1.0" encoding="utf-8"?>
+<file path=ppt/slides/slide15.xml><?xml version="1.0" encoding="utf-8"?>
 <p:sld xmlns:a="http://schemas.openxmlformats.org/drawingml/2006/main" xmlns:r="http://schemas.openxmlformats.org/officeDocument/2006/relationships" xmlns:p="http://schemas.openxmlformats.org/presentationml/2006/main">
   <p:cSld>
     <p:spTree>
@@ -6089,10 +7146,17 @@
   <p:clrMapOvr>
     <a:masterClrMapping/>
   </p:clrMapOvr>
+  <p:timing>
+    <p:tnLst>
+      <p:par>
+        <p:cTn id="1" dur="indefinite" restart="never" nodeType="tmRoot"/>
+      </p:par>
+    </p:tnLst>
+  </p:timing>
 </p:sld>
 </file>
 
-<file path=ppt/slides/slide13.xml><?xml version="1.0" encoding="utf-8"?>
+<file path=ppt/slides/slide16.xml><?xml version="1.0" encoding="utf-8"?>
 <p:sld xmlns:a="http://schemas.openxmlformats.org/drawingml/2006/main" xmlns:r="http://schemas.openxmlformats.org/officeDocument/2006/relationships" xmlns:p="http://schemas.openxmlformats.org/presentationml/2006/main">
   <p:cSld>
     <p:spTree>
@@ -6572,10 +7636,17 @@
   <p:clrMapOvr>
     <a:masterClrMapping/>
   </p:clrMapOvr>
+  <p:timing>
+    <p:tnLst>
+      <p:par>
+        <p:cTn id="1" dur="indefinite" restart="never" nodeType="tmRoot"/>
+      </p:par>
+    </p:tnLst>
+  </p:timing>
 </p:sld>
 </file>
 
-<file path=ppt/slides/slide14.xml><?xml version="1.0" encoding="utf-8"?>
+<file path=ppt/slides/slide17.xml><?xml version="1.0" encoding="utf-8"?>
 <p:sld xmlns:a="http://schemas.openxmlformats.org/drawingml/2006/main" xmlns:r="http://schemas.openxmlformats.org/officeDocument/2006/relationships" xmlns:p="http://schemas.openxmlformats.org/presentationml/2006/main">
   <p:cSld>
     <p:spTree>
@@ -6704,10 +7775,17 @@
   <p:clrMapOvr>
     <a:masterClrMapping/>
   </p:clrMapOvr>
+  <p:timing>
+    <p:tnLst>
+      <p:par>
+        <p:cTn id="1" dur="indefinite" restart="never" nodeType="tmRoot"/>
+      </p:par>
+    </p:tnLst>
+  </p:timing>
 </p:sld>
 </file>
 
-<file path=ppt/slides/slide15.xml><?xml version="1.0" encoding="utf-8"?>
+<file path=ppt/slides/slide18.xml><?xml version="1.0" encoding="utf-8"?>
 <p:sld xmlns:a="http://schemas.openxmlformats.org/drawingml/2006/main" xmlns:r="http://schemas.openxmlformats.org/officeDocument/2006/relationships" xmlns:p="http://schemas.openxmlformats.org/presentationml/2006/main">
   <p:cSld>
     <p:spTree>
@@ -6820,273 +7898,13 @@
   <p:clrMapOvr>
     <a:masterClrMapping/>
   </p:clrMapOvr>
-</p:sld>
-</file>
-
-<file path=ppt/slides/slide16.xml><?xml version="1.0" encoding="utf-8"?>
-<p:sld xmlns:a="http://schemas.openxmlformats.org/drawingml/2006/main" xmlns:r="http://schemas.openxmlformats.org/officeDocument/2006/relationships" xmlns:p="http://schemas.openxmlformats.org/presentationml/2006/main">
-  <p:cSld>
-    <p:spTree>
-      <p:nvGrpSpPr>
-        <p:cNvPr id="1" name=""/>
-        <p:cNvGrpSpPr/>
-        <p:nvPr/>
-      </p:nvGrpSpPr>
-      <p:grpSpPr>
-        <a:xfrm>
-          <a:off x="0" y="0"/>
-          <a:ext cx="0" cy="0"/>
-          <a:chOff x="0" y="0"/>
-          <a:chExt cx="0" cy="0"/>
-        </a:xfrm>
-      </p:grpSpPr>
-      <p:sp>
-        <p:nvSpPr>
-          <p:cNvPr id="4" name="Title 3"/>
-          <p:cNvSpPr>
-            <a:spLocks noGrp="1"/>
-          </p:cNvSpPr>
-          <p:nvPr>
-            <p:ph type="title"/>
-          </p:nvPr>
-        </p:nvSpPr>
-        <p:spPr/>
-        <p:txBody>
-          <a:bodyPr/>
-          <a:lstStyle/>
-          <a:p>
-            <a:r>
-              <a:rPr lang="en-US" dirty="0" smtClean="0"/>
-              <a:t>Defining Dependencies</a:t>
-            </a:r>
-            <a:endParaRPr lang="en-US" dirty="0"/>
-          </a:p>
-        </p:txBody>
-      </p:sp>
-      <p:sp>
-        <p:nvSpPr>
-          <p:cNvPr id="5" name="Content Placeholder 4"/>
-          <p:cNvSpPr>
-            <a:spLocks noGrp="1"/>
-          </p:cNvSpPr>
-          <p:nvPr>
-            <p:ph idx="1"/>
-          </p:nvPr>
-        </p:nvSpPr>
-        <p:spPr>
-          <a:xfrm>
-            <a:off x="228600" y="2112264"/>
-            <a:ext cx="8686800" cy="2695871"/>
-          </a:xfrm>
-        </p:spPr>
-        <p:txBody>
-          <a:bodyPr/>
-          <a:lstStyle/>
-          <a:p>
-            <a:r>
-              <a:rPr lang="en-US" dirty="0"/>
-              <a:t>Some modules use another modules</a:t>
-            </a:r>
-          </a:p>
-          <a:p>
-            <a:pPr lvl="1">
-              <a:buSzPct val="70000"/>
-            </a:pPr>
-            <a:r>
-              <a:rPr lang="en-US" sz="2800" dirty="0" smtClean="0"/>
-              <a:t>RequireJS </a:t>
-            </a:r>
-            <a:r>
-              <a:rPr lang="en-US" sz="2800" dirty="0"/>
-              <a:t>can "request" a file to be loaded</a:t>
-            </a:r>
-          </a:p>
-          <a:p>
-            <a:r>
-              <a:rPr lang="en-US" dirty="0"/>
-              <a:t>Pass the names of the required module as an array in the define function</a:t>
-            </a:r>
-          </a:p>
-          <a:p>
-            <a:pPr lvl="1">
-              <a:buSzPct val="70000"/>
-            </a:pPr>
-            <a:r>
-              <a:rPr lang="en-US" sz="2800" dirty="0"/>
-              <a:t>If any of them is not loaded, RequireJS will load it</a:t>
-            </a:r>
-          </a:p>
-        </p:txBody>
-      </p:sp>
-    </p:spTree>
-    <p:extLst>
-      <p:ext uri="{BB962C8B-B14F-4D97-AF65-F5344CB8AC3E}">
-        <p14:creationId xmlns:p14="http://schemas.microsoft.com/office/powerpoint/2010/main" val="1640100556"/>
-      </p:ext>
-    </p:extLst>
-  </p:cSld>
-  <p:clrMapOvr>
-    <a:masterClrMapping/>
-  </p:clrMapOvr>
-</p:sld>
-</file>
-
-<file path=ppt/slides/slide17.xml><?xml version="1.0" encoding="utf-8"?>
-<p:sld xmlns:a="http://schemas.openxmlformats.org/drawingml/2006/main" xmlns:r="http://schemas.openxmlformats.org/officeDocument/2006/relationships" xmlns:p="http://schemas.openxmlformats.org/presentationml/2006/main">
-  <p:cSld>
-    <p:spTree>
-      <p:nvGrpSpPr>
-        <p:cNvPr id="1" name=""/>
-        <p:cNvGrpSpPr/>
-        <p:nvPr/>
-      </p:nvGrpSpPr>
-      <p:grpSpPr>
-        <a:xfrm>
-          <a:off x="0" y="0"/>
-          <a:ext cx="0" cy="0"/>
-          <a:chOff x="0" y="0"/>
-          <a:chExt cx="0" cy="0"/>
-        </a:xfrm>
-      </p:grpSpPr>
-      <p:sp>
-        <p:nvSpPr>
-          <p:cNvPr id="5" name="Title 4"/>
-          <p:cNvSpPr>
-            <a:spLocks noGrp="1"/>
-          </p:cNvSpPr>
-          <p:nvPr>
-            <p:ph type="ctrTitle"/>
-          </p:nvPr>
-        </p:nvSpPr>
-        <p:spPr/>
-        <p:txBody>
-          <a:bodyPr/>
-          <a:lstStyle/>
-          <a:p>
-            <a:r>
-              <a:rPr lang="en-US" dirty="0" smtClean="0"/>
-              <a:t>Defining Dependencies</a:t>
-            </a:r>
-            <a:endParaRPr lang="en-US" dirty="0"/>
-          </a:p>
-        </p:txBody>
-      </p:sp>
-      <p:sp>
-        <p:nvSpPr>
-          <p:cNvPr id="6" name="Subtitle 5"/>
-          <p:cNvSpPr>
-            <a:spLocks noGrp="1"/>
-          </p:cNvSpPr>
-          <p:nvPr>
-            <p:ph type="subTitle" idx="1"/>
-          </p:nvPr>
-        </p:nvSpPr>
-        <p:spPr/>
-        <p:txBody>
-          <a:bodyPr/>
-          <a:lstStyle/>
-          <a:p>
-            <a:r>
-              <a:rPr lang="en-US" dirty="0" smtClean="0"/>
-              <a:t>Live Demo</a:t>
-            </a:r>
-            <a:endParaRPr lang="en-US" dirty="0"/>
-          </a:p>
-        </p:txBody>
-      </p:sp>
-    </p:spTree>
-    <p:extLst>
-      <p:ext uri="{BB962C8B-B14F-4D97-AF65-F5344CB8AC3E}">
-        <p14:creationId xmlns:p14="http://schemas.microsoft.com/office/powerpoint/2010/main" val="4152067425"/>
-      </p:ext>
-    </p:extLst>
-  </p:cSld>
-  <p:clrMapOvr>
-    <a:masterClrMapping/>
-  </p:clrMapOvr>
-</p:sld>
-</file>
-
-<file path=ppt/slides/slide18.xml><?xml version="1.0" encoding="utf-8"?>
-<p:sld xmlns:a="http://schemas.openxmlformats.org/drawingml/2006/main" xmlns:r="http://schemas.openxmlformats.org/officeDocument/2006/relationships" xmlns:p="http://schemas.openxmlformats.org/presentationml/2006/main">
-  <p:cSld>
-    <p:spTree>
-      <p:nvGrpSpPr>
-        <p:cNvPr id="1" name=""/>
-        <p:cNvGrpSpPr/>
-        <p:nvPr/>
-      </p:nvGrpSpPr>
-      <p:grpSpPr>
-        <a:xfrm>
-          <a:off x="0" y="0"/>
-          <a:ext cx="0" cy="0"/>
-          <a:chOff x="0" y="0"/>
-          <a:chExt cx="0" cy="0"/>
-        </a:xfrm>
-      </p:grpSpPr>
-      <p:sp>
-        <p:nvSpPr>
-          <p:cNvPr id="4" name="Title 3"/>
-          <p:cNvSpPr>
-            <a:spLocks noGrp="1"/>
-          </p:cNvSpPr>
-          <p:nvPr>
-            <p:ph type="title"/>
-          </p:nvPr>
-        </p:nvSpPr>
-        <p:spPr/>
-        <p:txBody>
-          <a:bodyPr/>
-          <a:lstStyle/>
-          <a:p>
-            <a:r>
-              <a:rPr lang="en-US" dirty="0" smtClean="0"/>
-              <a:t>RequireJS</a:t>
-            </a:r>
-            <a:endParaRPr lang="en-US" dirty="0"/>
-          </a:p>
-        </p:txBody>
-      </p:sp>
-      <p:sp>
-        <p:nvSpPr>
-          <p:cNvPr id="5" name="Text Placeholder 4"/>
-          <p:cNvSpPr>
-            <a:spLocks noGrp="1"/>
-          </p:cNvSpPr>
-          <p:nvPr>
-            <p:ph type="body" sz="quarter" idx="10"/>
-          </p:nvPr>
-        </p:nvSpPr>
-        <p:spPr>
-          <a:xfrm>
-            <a:off x="6067891" y="6400800"/>
-            <a:ext cx="2957797" cy="369332"/>
-          </a:xfrm>
-        </p:spPr>
-        <p:txBody>
-          <a:bodyPr/>
-          <a:lstStyle/>
-          <a:p>
-            <a:r>
-              <a:rPr lang="en-US" dirty="0" smtClean="0">
-                <a:hlinkClick r:id="rId2"/>
-              </a:rPr>
-              <a:t>http://academy.telerik.com</a:t>
-            </a:r>
-            <a:endParaRPr lang="en-US" dirty="0"/>
-          </a:p>
-        </p:txBody>
-      </p:sp>
-    </p:spTree>
-    <p:extLst>
-      <p:ext uri="{BB962C8B-B14F-4D97-AF65-F5344CB8AC3E}">
-        <p14:creationId xmlns:p14="http://schemas.microsoft.com/office/powerpoint/2010/main" val="3359567602"/>
-      </p:ext>
-    </p:extLst>
-  </p:cSld>
-  <p:clrMapOvr>
-    <a:masterClrMapping/>
-  </p:clrMapOvr>
+  <p:timing>
+    <p:tnLst>
+      <p:par>
+        <p:cTn id="1" dur="indefinite" restart="never" nodeType="tmRoot"/>
+      </p:par>
+    </p:tnLst>
+  </p:timing>
 </p:sld>
 </file>
 
@@ -7123,10 +7941,10 @@
           <a:lstStyle/>
           <a:p>
             <a:r>
-              <a:rPr lang="en-US" smtClean="0"/>
-              <a:t>Homework</a:t>
-            </a:r>
-            <a:endParaRPr lang="bg-BG" dirty="0"/>
+              <a:rPr lang="en-US" dirty="0" smtClean="0"/>
+              <a:t>Defining Dependencies</a:t>
+            </a:r>
+            <a:endParaRPr lang="en-US" dirty="0"/>
           </a:p>
         </p:txBody>
       </p:sp>
@@ -7142,177 +7960,53 @@
         </p:nvSpPr>
         <p:spPr>
           <a:xfrm>
-            <a:off x="228600" y="832104"/>
-            <a:ext cx="8686800" cy="5791200"/>
+            <a:off x="228600" y="992038"/>
+            <a:ext cx="8686800" cy="3816097"/>
           </a:xfrm>
         </p:spPr>
         <p:txBody>
           <a:bodyPr/>
           <a:lstStyle/>
           <a:p>
-            <a:pPr marL="346075" indent="-346075">
-              <a:buFont typeface="+mj-lt"/>
-              <a:buAutoNum type="arabicPeriod"/>
-              <a:tabLst>
-                <a:tab pos="282575" algn="l"/>
-                <a:tab pos="284163" algn="l"/>
-              </a:tabLst>
+            <a:r>
+              <a:rPr lang="en-US" dirty="0"/>
+              <a:t>Some modules use another modules</a:t>
+            </a:r>
+          </a:p>
+          <a:p>
+            <a:pPr lvl="1">
+              <a:buSzPct val="70000"/>
             </a:pPr>
             <a:r>
               <a:rPr lang="en-US" sz="2800" dirty="0" smtClean="0"/>
-              <a:t>Implement a </a:t>
-            </a:r>
-            <a:r>
-              <a:rPr lang="en-US" sz="2800" dirty="0" smtClean="0">
-                <a:solidFill>
-                  <a:schemeClr val="accent5">
-                    <a:lumMod val="20000"/>
-                    <a:lumOff val="80000"/>
-                  </a:schemeClr>
-                </a:solidFill>
-                <a:latin typeface="Consolas" panose="020B0609020204030204" pitchFamily="49" charset="0"/>
-                <a:cs typeface="Consolas" panose="020B0609020204030204" pitchFamily="49" charset="0"/>
-              </a:rPr>
-              <a:t>ComboBox</a:t>
-            </a:r>
-            <a:r>
-              <a:rPr lang="en-US" sz="2800" dirty="0" smtClean="0"/>
-              <a:t> control (like a dropdown list)</a:t>
-            </a:r>
-          </a:p>
-          <a:p>
-            <a:pPr lvl="1" indent="-282575">
-              <a:tabLst>
-                <a:tab pos="282575" algn="l"/>
-                <a:tab pos="284163" algn="l"/>
-              </a:tabLst>
+              <a:t>RequireJS </a:t>
+            </a:r>
+            <a:r>
+              <a:rPr lang="en-US" sz="2800" dirty="0"/>
+              <a:t>can "request" a file to be loaded</a:t>
+            </a:r>
+          </a:p>
+          <a:p>
+            <a:r>
+              <a:rPr lang="en-US" dirty="0"/>
+              <a:t>Pass the names of the required module as an array in the define function</a:t>
+            </a:r>
+          </a:p>
+          <a:p>
+            <a:pPr lvl="1">
+              <a:buSzPct val="70000"/>
             </a:pPr>
             <a:r>
-              <a:rPr lang="en-US" sz="2600" dirty="0" smtClean="0"/>
-              <a:t>The ComboBox holds a set of items (an array)</a:t>
-            </a:r>
-          </a:p>
-          <a:p>
-            <a:pPr lvl="1" indent="-282575">
-              <a:tabLst>
-                <a:tab pos="282575" algn="l"/>
-                <a:tab pos="284163" algn="l"/>
-              </a:tabLst>
-            </a:pPr>
-            <a:r>
-              <a:rPr lang="en-US" sz="2600" dirty="0"/>
-              <a:t>Initially </a:t>
-            </a:r>
-            <a:r>
-              <a:rPr lang="en-US" sz="2600" dirty="0" smtClean="0"/>
-              <a:t>only a single item</a:t>
-            </a:r>
-            <a:r>
-              <a:rPr lang="en-US" sz="2600" dirty="0"/>
-              <a:t>, the selected item, is visible (</a:t>
-            </a:r>
-            <a:r>
-              <a:rPr lang="en-US" sz="2600" dirty="0">
-                <a:solidFill>
-                  <a:schemeClr val="accent5">
-                    <a:lumMod val="20000"/>
-                    <a:lumOff val="80000"/>
-                  </a:schemeClr>
-                </a:solidFill>
-              </a:rPr>
-              <a:t>the ComboBox is collapsed</a:t>
-            </a:r>
-            <a:r>
-              <a:rPr lang="en-US" sz="2600" dirty="0"/>
-              <a:t>)</a:t>
-            </a:r>
-          </a:p>
-          <a:p>
-            <a:pPr lvl="1" indent="-282575">
-              <a:tabLst>
-                <a:tab pos="282575" algn="l"/>
-                <a:tab pos="284163" algn="l"/>
-              </a:tabLst>
-            </a:pPr>
-            <a:r>
-              <a:rPr lang="en-US" sz="2600" dirty="0"/>
-              <a:t>When the selected item is clicked, all other items are shown (</a:t>
-            </a:r>
-            <a:r>
-              <a:rPr lang="en-US" sz="2600" dirty="0">
-                <a:solidFill>
-                  <a:schemeClr val="accent5">
-                    <a:lumMod val="20000"/>
-                    <a:lumOff val="80000"/>
-                  </a:schemeClr>
-                </a:solidFill>
-              </a:rPr>
-              <a:t>the ComboBox is expanded</a:t>
-            </a:r>
-            <a:r>
-              <a:rPr lang="en-US" sz="2600" dirty="0"/>
-              <a:t>)</a:t>
-            </a:r>
-          </a:p>
-          <a:p>
-            <a:pPr marL="914400" lvl="2" indent="-274638">
-              <a:tabLst>
-                <a:tab pos="282575" algn="l"/>
-                <a:tab pos="284163" algn="l"/>
-              </a:tabLst>
-            </a:pPr>
-            <a:r>
-              <a:rPr lang="en-US" sz="2400" dirty="0" smtClean="0"/>
-              <a:t>If an item is clicked, it becomes the selected item and the ComboBox collapses</a:t>
-            </a:r>
-          </a:p>
-          <a:p>
-            <a:pPr marL="622300" lvl="1" indent="-274638">
-              <a:tabLst>
-                <a:tab pos="282575" algn="l"/>
-                <a:tab pos="284163" algn="l"/>
-              </a:tabLst>
-            </a:pPr>
-            <a:r>
-              <a:rPr lang="en-US" sz="2600" dirty="0" smtClean="0"/>
-              <a:t>Each of the items in a ComboBox can contain any valid HTML code</a:t>
-            </a:r>
-          </a:p>
-          <a:p>
-            <a:pPr marL="1096963" lvl="2" indent="-457200">
-              <a:tabLst>
-                <a:tab pos="282575" algn="l"/>
-                <a:tab pos="284163" algn="l"/>
-              </a:tabLst>
-            </a:pPr>
-            <a:endParaRPr lang="en-US" sz="2400" dirty="0" smtClean="0"/>
-          </a:p>
-          <a:p>
-            <a:pPr marL="695326" lvl="1" indent="-347663">
-              <a:buFont typeface="+mj-lt"/>
-              <a:buAutoNum type="arabicPeriod" startAt="2"/>
-              <a:tabLst>
-                <a:tab pos="282575" algn="l"/>
-                <a:tab pos="284163" algn="l"/>
-              </a:tabLst>
-            </a:pPr>
-            <a:endParaRPr lang="en-US" sz="2600" dirty="0" smtClean="0"/>
-          </a:p>
-          <a:p>
-            <a:pPr marL="987426" lvl="2" indent="-347663">
-              <a:tabLst>
-                <a:tab pos="282575" algn="l"/>
-                <a:tab pos="284163" algn="l"/>
-              </a:tabLst>
-            </a:pPr>
-            <a:endParaRPr lang="en-US" sz="2400" dirty="0"/>
+              <a:rPr lang="en-US" sz="2800" dirty="0"/>
+              <a:t>If any of them is not loaded, RequireJS will load it</a:t>
+            </a:r>
           </a:p>
         </p:txBody>
       </p:sp>
     </p:spTree>
     <p:extLst>
       <p:ext uri="{BB962C8B-B14F-4D97-AF65-F5344CB8AC3E}">
-        <p14:creationId xmlns:p14="http://schemas.microsoft.com/office/powerpoint/2010/main" val="2974978886"/>
+        <p14:creationId xmlns:p14="http://schemas.microsoft.com/office/powerpoint/2010/main" val="1640100556"/>
       </p:ext>
     </p:extLst>
   </p:cSld>
@@ -7384,13 +8078,20 @@
           <a:p>
             <a:r>
               <a:rPr lang="en-US" dirty="0" smtClean="0"/>
+              <a:t>AMD Overview</a:t>
+            </a:r>
+          </a:p>
+          <a:p>
+            <a:r>
+              <a:rPr lang="en-US" dirty="0" smtClean="0"/>
               <a:t>RequireJS Overview</a:t>
             </a:r>
           </a:p>
           <a:p>
-            <a:r>
-              <a:rPr lang="en-US" dirty="0" smtClean="0"/>
-              <a:t>RequireJS configuration</a:t>
+            <a:pPr lvl="1"/>
+            <a:r>
+              <a:rPr lang="en-US" dirty="0" smtClean="0"/>
+              <a:t>Installation and configuration</a:t>
             </a:r>
           </a:p>
           <a:p>
@@ -7514,12 +8215,12 @@
       </p:grpSpPr>
       <p:sp>
         <p:nvSpPr>
-          <p:cNvPr id="4" name="Title 3"/>
+          <p:cNvPr id="5" name="Title 4"/>
           <p:cNvSpPr>
             <a:spLocks noGrp="1"/>
           </p:cNvSpPr>
           <p:nvPr>
-            <p:ph type="title"/>
+            <p:ph type="ctrTitle"/>
           </p:nvPr>
         </p:nvSpPr>
         <p:spPr/>
@@ -7529,384 +8230,39 @@
           <a:p>
             <a:r>
               <a:rPr lang="en-US" dirty="0" smtClean="0"/>
-              <a:t>Homework (2)</a:t>
-            </a:r>
-            <a:endParaRPr lang="bg-BG" dirty="0"/>
+              <a:t>Defining Dependencies</a:t>
+            </a:r>
+            <a:endParaRPr lang="en-US" dirty="0"/>
           </a:p>
         </p:txBody>
       </p:sp>
       <p:sp>
         <p:nvSpPr>
-          <p:cNvPr id="5" name="Content Placeholder 4"/>
+          <p:cNvPr id="6" name="Subtitle 5"/>
           <p:cNvSpPr>
             <a:spLocks noGrp="1"/>
           </p:cNvSpPr>
           <p:nvPr>
-            <p:ph idx="1"/>
+            <p:ph type="subTitle" idx="1"/>
           </p:nvPr>
         </p:nvSpPr>
-        <p:spPr>
-          <a:xfrm>
-            <a:off x="228600" y="954025"/>
-            <a:ext cx="8686800" cy="2626360"/>
-          </a:xfrm>
-        </p:spPr>
+        <p:spPr/>
         <p:txBody>
           <a:bodyPr/>
           <a:lstStyle/>
           <a:p>
-            <a:pPr marL="514350" indent="-514350">
-              <a:buFont typeface="+mj-lt"/>
-              <a:buAutoNum type="arabicPeriod"/>
-              <a:tabLst>
-                <a:tab pos="282575" algn="l"/>
-                <a:tab pos="284163" algn="l"/>
-              </a:tabLst>
-            </a:pPr>
-            <a:r>
-              <a:rPr lang="en-US" sz="2800" dirty="0" smtClean="0"/>
-              <a:t>(cont.) Implement a ComboBox control (like a dropdown list)</a:t>
-            </a:r>
-          </a:p>
-          <a:p>
-            <a:pPr marL="695326" lvl="1" indent="-347663">
-              <a:lnSpc>
-                <a:spcPct val="100000"/>
-              </a:lnSpc>
-              <a:tabLst>
-                <a:tab pos="282575" algn="l"/>
-                <a:tab pos="284163" algn="l"/>
-              </a:tabLst>
-            </a:pPr>
-            <a:r>
-              <a:rPr lang="en-US" sz="2600" dirty="0" smtClean="0"/>
-              <a:t>Use </a:t>
-            </a:r>
-            <a:r>
-              <a:rPr lang="en-US" sz="2600" dirty="0" smtClean="0">
-                <a:solidFill>
-                  <a:schemeClr val="accent5">
-                    <a:lumMod val="20000"/>
-                    <a:lumOff val="80000"/>
-                  </a:schemeClr>
-                </a:solidFill>
-              </a:rPr>
-              <a:t>RequireJS</a:t>
-            </a:r>
-            <a:r>
-              <a:rPr lang="en-US" sz="2600" dirty="0" smtClean="0"/>
-              <a:t> and </a:t>
-            </a:r>
-            <a:r>
-              <a:rPr lang="en-US" sz="2600" dirty="0" smtClean="0">
-                <a:solidFill>
-                  <a:schemeClr val="accent5">
-                    <a:lumMod val="20000"/>
-                    <a:lumOff val="80000"/>
-                  </a:schemeClr>
-                </a:solidFill>
-              </a:rPr>
-              <a:t>mustache.js</a:t>
-            </a:r>
-          </a:p>
-          <a:p>
-            <a:pPr marL="1060450" lvl="2" indent="-457200">
-              <a:lnSpc>
-                <a:spcPct val="100000"/>
-              </a:lnSpc>
-              <a:tabLst>
-                <a:tab pos="282575" algn="l"/>
-                <a:tab pos="284163" algn="l"/>
-              </a:tabLst>
-            </a:pPr>
-            <a:r>
-              <a:rPr lang="en-US" sz="2600" dirty="0"/>
-              <a:t>jQuery is not </a:t>
-            </a:r>
-            <a:r>
-              <a:rPr lang="en-US" sz="2600" dirty="0" smtClean="0"/>
-              <a:t>obligatory (use it if you will)</a:t>
-            </a:r>
-            <a:endParaRPr lang="en-US" sz="2600" dirty="0"/>
-          </a:p>
-          <a:p>
-            <a:pPr marL="695326" lvl="1" indent="-347663">
-              <a:lnSpc>
-                <a:spcPct val="100000"/>
-              </a:lnSpc>
-              <a:tabLst>
-                <a:tab pos="282575" algn="l"/>
-                <a:tab pos="284163" algn="l"/>
-              </a:tabLst>
-            </a:pPr>
-            <a:r>
-              <a:rPr lang="en-US" sz="2600" dirty="0" smtClean="0"/>
-              <a:t>The ComboBox should have the following usage:</a:t>
-            </a:r>
-            <a:endParaRPr lang="en-US" sz="2400" dirty="0"/>
-          </a:p>
-        </p:txBody>
-      </p:sp>
-      <p:sp>
-        <p:nvSpPr>
-          <p:cNvPr id="2" name="Text Placeholder 1"/>
-          <p:cNvSpPr>
-            <a:spLocks noGrp="1"/>
-          </p:cNvSpPr>
-          <p:nvPr>
-            <p:ph type="body" sz="quarter" idx="11"/>
-          </p:nvPr>
-        </p:nvSpPr>
-        <p:spPr>
-          <a:xfrm>
-            <a:off x="457200" y="3666744"/>
-            <a:ext cx="8247888" cy="2908489"/>
-          </a:xfrm>
-        </p:spPr>
-        <p:txBody>
-          <a:bodyPr/>
-          <a:lstStyle/>
-          <a:p>
-            <a:r>
-              <a:rPr lang="en-US" sz="1400" dirty="0"/>
-              <a:t>var people = </a:t>
-            </a:r>
-            <a:r>
-              <a:rPr lang="en-US" sz="1400" dirty="0" smtClean="0"/>
-              <a:t>[</a:t>
-            </a:r>
-          </a:p>
-          <a:p>
-            <a:r>
-              <a:rPr lang="en-US" sz="1400" dirty="0"/>
-              <a:t> </a:t>
-            </a:r>
-            <a:r>
-              <a:rPr lang="en-US" sz="1400" dirty="0" smtClean="0"/>
-              <a:t> { id: 1, name</a:t>
-            </a:r>
-            <a:r>
-              <a:rPr lang="en-US" sz="1400" dirty="0"/>
-              <a:t>: "Doncho Minkov</a:t>
-            </a:r>
-            <a:r>
-              <a:rPr lang="en-US" sz="1400" dirty="0" smtClean="0"/>
-              <a:t>", age</a:t>
-            </a:r>
-            <a:r>
-              <a:rPr lang="en-US" sz="1400" dirty="0"/>
-              <a:t>: </a:t>
-            </a:r>
-            <a:r>
-              <a:rPr lang="en-US" sz="1400" dirty="0" smtClean="0"/>
-              <a:t>18, </a:t>
-            </a:r>
-            <a:r>
-              <a:rPr lang="en-US" sz="1400" dirty="0" err="1" smtClean="0"/>
-              <a:t>avatarUrl</a:t>
-            </a:r>
-            <a:r>
-              <a:rPr lang="en-US" sz="1400" dirty="0"/>
-              <a:t>: "images/minkov.jpg</a:t>
-            </a:r>
-            <a:r>
-              <a:rPr lang="en-US" sz="1400" dirty="0" smtClean="0"/>
-              <a:t>" }, </a:t>
-            </a:r>
-          </a:p>
-          <a:p>
-            <a:r>
-              <a:rPr lang="en-US" sz="1400" dirty="0"/>
-              <a:t> </a:t>
-            </a:r>
-            <a:r>
-              <a:rPr lang="en-US" sz="1400" dirty="0" smtClean="0"/>
-              <a:t> { id: 2, name</a:t>
-            </a:r>
-            <a:r>
-              <a:rPr lang="en-US" sz="1400" dirty="0"/>
-              <a:t>: </a:t>
-            </a:r>
-            <a:r>
-              <a:rPr lang="en-US" sz="1400" dirty="0" smtClean="0"/>
-              <a:t>"</a:t>
-            </a:r>
-            <a:r>
-              <a:rPr lang="en-US" sz="1400" dirty="0"/>
-              <a:t>Georgi Georgiev</a:t>
-            </a:r>
-            <a:r>
-              <a:rPr lang="en-US" sz="1400" dirty="0" smtClean="0"/>
-              <a:t>", age</a:t>
-            </a:r>
-            <a:r>
-              <a:rPr lang="en-US" sz="1400" dirty="0"/>
-              <a:t>: 19</a:t>
-            </a:r>
-            <a:r>
-              <a:rPr lang="en-US" sz="1400" dirty="0" smtClean="0"/>
-              <a:t>, </a:t>
-            </a:r>
-            <a:r>
-              <a:rPr lang="en-US" sz="1400" dirty="0" err="1" smtClean="0"/>
-              <a:t>avatarUrl</a:t>
-            </a:r>
-            <a:r>
-              <a:rPr lang="en-US" sz="1400" dirty="0"/>
-              <a:t>: "images/joreto.jpg</a:t>
-            </a:r>
-            <a:r>
-              <a:rPr lang="en-US" sz="1400" dirty="0" smtClean="0"/>
-              <a:t>" }];</a:t>
-            </a:r>
-          </a:p>
-          <a:p>
-            <a:pPr>
-              <a:spcBef>
-                <a:spcPts val="900"/>
-              </a:spcBef>
-            </a:pPr>
-            <a:r>
-              <a:rPr lang="en-US" sz="1400" dirty="0" smtClean="0"/>
-              <a:t>var </a:t>
-            </a:r>
-            <a:r>
-              <a:rPr lang="en-US" sz="1400" dirty="0" err="1" smtClean="0"/>
-              <a:t>comboBox</a:t>
-            </a:r>
-            <a:r>
-              <a:rPr lang="en-US" sz="1400" dirty="0" smtClean="0"/>
-              <a:t> = </a:t>
-            </a:r>
-            <a:r>
-              <a:rPr lang="en-US" sz="1400" dirty="0" err="1" smtClean="0"/>
-              <a:t>controls.ComboBox</a:t>
-            </a:r>
-            <a:r>
-              <a:rPr lang="en-US" sz="1400" dirty="0" smtClean="0"/>
-              <a:t>(people);</a:t>
-            </a:r>
-          </a:p>
-          <a:p>
-            <a:r>
-              <a:rPr lang="en-US" sz="1400" dirty="0" smtClean="0"/>
-              <a:t>var template = $("#person-template").html();</a:t>
-            </a:r>
-          </a:p>
-          <a:p>
-            <a:r>
-              <a:rPr lang="en-US" sz="1400" dirty="0" smtClean="0"/>
-              <a:t>var </a:t>
-            </a:r>
-            <a:r>
-              <a:rPr lang="en-US" sz="1400" dirty="0" err="1" smtClean="0"/>
-              <a:t>comboBoxHtml</a:t>
-            </a:r>
-            <a:r>
-              <a:rPr lang="en-US" sz="1400" dirty="0" smtClean="0"/>
-              <a:t> = </a:t>
-            </a:r>
-            <a:r>
-              <a:rPr lang="en-US" sz="1400" dirty="0" err="1" smtClean="0"/>
-              <a:t>comboBox.render</a:t>
-            </a:r>
-            <a:r>
-              <a:rPr lang="en-US" sz="1400" dirty="0" smtClean="0"/>
-              <a:t>(template);</a:t>
-            </a:r>
-          </a:p>
-          <a:p>
-            <a:r>
-              <a:rPr lang="en-US" sz="1400" dirty="0" err="1" smtClean="0"/>
-              <a:t>container.innerHTML</a:t>
-            </a:r>
-            <a:r>
-              <a:rPr lang="en-US" sz="1400" dirty="0"/>
-              <a:t> </a:t>
-            </a:r>
-            <a:r>
-              <a:rPr lang="en-US" sz="1400" dirty="0" smtClean="0"/>
-              <a:t>= </a:t>
-            </a:r>
-            <a:r>
-              <a:rPr lang="en-US" sz="1400" dirty="0" err="1" smtClean="0"/>
-              <a:t>comboBoxHtml</a:t>
-            </a:r>
-            <a:r>
-              <a:rPr lang="en-US" sz="1400" dirty="0" smtClean="0"/>
-              <a:t>;</a:t>
-            </a:r>
-            <a:endParaRPr lang="en-US" sz="1400" dirty="0"/>
-          </a:p>
-          <a:p>
-            <a:pPr>
-              <a:spcBef>
-                <a:spcPts val="900"/>
-              </a:spcBef>
-            </a:pPr>
-            <a:r>
-              <a:rPr lang="en-US" sz="1400" dirty="0" smtClean="0"/>
-              <a:t>//sample template</a:t>
-            </a:r>
-          </a:p>
-          <a:p>
-            <a:r>
-              <a:rPr lang="en-US" sz="1400" dirty="0"/>
-              <a:t>&lt;div class="person-item" id="person-item-{{id}}"&gt;</a:t>
-            </a:r>
-          </a:p>
-          <a:p>
-            <a:r>
-              <a:rPr lang="en-US" sz="1400" dirty="0" smtClean="0"/>
-              <a:t>  &lt;</a:t>
-            </a:r>
-            <a:r>
-              <a:rPr lang="en-US" sz="1400" dirty="0"/>
-              <a:t>strong class="person-name"&gt;{{name}}&lt;/strong&gt;&lt;p class="person-age"&gt;{{age}}&lt;/</a:t>
-            </a:r>
-            <a:r>
-              <a:rPr lang="en-US" sz="1400" dirty="0" smtClean="0"/>
-              <a:t>p&gt;</a:t>
-            </a:r>
-          </a:p>
-          <a:p>
-            <a:r>
-              <a:rPr lang="en-US" sz="1400" dirty="0"/>
-              <a:t> </a:t>
-            </a:r>
-            <a:r>
-              <a:rPr lang="en-US" sz="1400" dirty="0" smtClean="0"/>
-              <a:t> &lt;img </a:t>
-            </a:r>
-            <a:r>
-              <a:rPr lang="en-US" sz="1400" dirty="0"/>
-              <a:t>src="{{</a:t>
-            </a:r>
-            <a:r>
-              <a:rPr lang="en-US" sz="1400" dirty="0" err="1"/>
-              <a:t>avatarUrl</a:t>
-            </a:r>
-            <a:r>
-              <a:rPr lang="en-US" sz="1400" dirty="0"/>
-              <a:t>}}" width="100px" /&gt;</a:t>
-            </a:r>
-          </a:p>
-          <a:p>
-            <a:r>
-              <a:rPr lang="en-US" sz="1400" dirty="0" smtClean="0"/>
-              <a:t>&lt;/</a:t>
-            </a:r>
-            <a:r>
-              <a:rPr lang="en-US" sz="1400" dirty="0"/>
-              <a:t>div&gt;</a:t>
-            </a:r>
+            <a:r>
+              <a:rPr lang="en-US" dirty="0" smtClean="0"/>
+              <a:t>Live Demo</a:t>
+            </a:r>
+            <a:endParaRPr lang="en-US" dirty="0"/>
           </a:p>
         </p:txBody>
       </p:sp>
     </p:spTree>
     <p:extLst>
       <p:ext uri="{BB962C8B-B14F-4D97-AF65-F5344CB8AC3E}">
-        <p14:creationId xmlns:p14="http://schemas.microsoft.com/office/powerpoint/2010/main" val="2562633676"/>
+        <p14:creationId xmlns:p14="http://schemas.microsoft.com/office/powerpoint/2010/main" val="4152067425"/>
       </p:ext>
     </p:extLst>
   </p:cSld>
@@ -7950,7 +8306,90 @@
           <a:p>
             <a:r>
               <a:rPr lang="en-US" dirty="0" smtClean="0"/>
-              <a:t>Homework (3)</a:t>
+              <a:t>RequireJS</a:t>
+            </a:r>
+            <a:endParaRPr lang="en-US" dirty="0"/>
+          </a:p>
+        </p:txBody>
+      </p:sp>
+      <p:sp>
+        <p:nvSpPr>
+          <p:cNvPr id="5" name="Text Placeholder 4"/>
+          <p:cNvSpPr>
+            <a:spLocks noGrp="1"/>
+          </p:cNvSpPr>
+          <p:nvPr>
+            <p:ph type="body" sz="quarter" idx="10"/>
+          </p:nvPr>
+        </p:nvSpPr>
+        <p:spPr>
+          <a:xfrm>
+            <a:off x="6067891" y="6400800"/>
+            <a:ext cx="2957797" cy="369332"/>
+          </a:xfrm>
+        </p:spPr>
+        <p:txBody>
+          <a:bodyPr/>
+          <a:lstStyle/>
+          <a:p>
+            <a:r>
+              <a:rPr lang="en-US" dirty="0" smtClean="0">
+                <a:hlinkClick r:id="rId2"/>
+              </a:rPr>
+              <a:t>http://academy.telerik.com</a:t>
+            </a:r>
+            <a:endParaRPr lang="en-US" dirty="0"/>
+          </a:p>
+        </p:txBody>
+      </p:sp>
+    </p:spTree>
+    <p:extLst>
+      <p:ext uri="{BB962C8B-B14F-4D97-AF65-F5344CB8AC3E}">
+        <p14:creationId xmlns:p14="http://schemas.microsoft.com/office/powerpoint/2010/main" val="3359567602"/>
+      </p:ext>
+    </p:extLst>
+  </p:cSld>
+  <p:clrMapOvr>
+    <a:masterClrMapping/>
+  </p:clrMapOvr>
+</p:sld>
+</file>
+
+<file path=ppt/slides/slide22.xml><?xml version="1.0" encoding="utf-8"?>
+<p:sld xmlns:a="http://schemas.openxmlformats.org/drawingml/2006/main" xmlns:r="http://schemas.openxmlformats.org/officeDocument/2006/relationships" xmlns:p="http://schemas.openxmlformats.org/presentationml/2006/main">
+  <p:cSld>
+    <p:spTree>
+      <p:nvGrpSpPr>
+        <p:cNvPr id="1" name=""/>
+        <p:cNvGrpSpPr/>
+        <p:nvPr/>
+      </p:nvGrpSpPr>
+      <p:grpSpPr>
+        <a:xfrm>
+          <a:off x="0" y="0"/>
+          <a:ext cx="0" cy="0"/>
+          <a:chOff x="0" y="0"/>
+          <a:chExt cx="0" cy="0"/>
+        </a:xfrm>
+      </p:grpSpPr>
+      <p:sp>
+        <p:nvSpPr>
+          <p:cNvPr id="4" name="Title 3"/>
+          <p:cNvSpPr>
+            <a:spLocks noGrp="1"/>
+          </p:cNvSpPr>
+          <p:nvPr>
+            <p:ph type="title"/>
+          </p:nvPr>
+        </p:nvSpPr>
+        <p:spPr/>
+        <p:txBody>
+          <a:bodyPr/>
+          <a:lstStyle/>
+          <a:p>
+            <a:r>
+              <a:rPr lang="en-US" smtClean="0"/>
+              <a:t>Homework</a:t>
             </a:r>
             <a:endParaRPr lang="bg-BG" dirty="0"/>
           </a:p>
@@ -7968,15 +8407,153 @@
         </p:nvSpPr>
         <p:spPr>
           <a:xfrm>
-            <a:off x="228600" y="899161"/>
-            <a:ext cx="8686800" cy="3677930"/>
+            <a:off x="228600" y="832104"/>
+            <a:ext cx="8686800" cy="5791200"/>
           </a:xfrm>
         </p:spPr>
         <p:txBody>
           <a:bodyPr/>
           <a:lstStyle/>
           <a:p>
-            <a:pPr marL="514350" indent="-514350">
+            <a:pPr marL="346075" indent="-346075">
+              <a:buFont typeface="+mj-lt"/>
+              <a:buAutoNum type="arabicPeriod"/>
+              <a:tabLst>
+                <a:tab pos="282575" algn="l"/>
+                <a:tab pos="284163" algn="l"/>
+              </a:tabLst>
+            </a:pPr>
+            <a:r>
+              <a:rPr lang="en-US" sz="2800" dirty="0" smtClean="0"/>
+              <a:t>Implement a </a:t>
+            </a:r>
+            <a:r>
+              <a:rPr lang="en-US" sz="2800" dirty="0" smtClean="0">
+                <a:solidFill>
+                  <a:schemeClr val="accent5">
+                    <a:lumMod val="20000"/>
+                    <a:lumOff val="80000"/>
+                  </a:schemeClr>
+                </a:solidFill>
+                <a:latin typeface="Consolas" panose="020B0609020204030204" pitchFamily="49" charset="0"/>
+                <a:cs typeface="Consolas" panose="020B0609020204030204" pitchFamily="49" charset="0"/>
+              </a:rPr>
+              <a:t>ComboBox</a:t>
+            </a:r>
+            <a:r>
+              <a:rPr lang="en-US" sz="2800" dirty="0" smtClean="0"/>
+              <a:t> control (like a dropdown list)</a:t>
+            </a:r>
+          </a:p>
+          <a:p>
+            <a:pPr lvl="1" indent="-282575">
+              <a:tabLst>
+                <a:tab pos="282575" algn="l"/>
+                <a:tab pos="284163" algn="l"/>
+              </a:tabLst>
+            </a:pPr>
+            <a:r>
+              <a:rPr lang="en-US" sz="2600" dirty="0" smtClean="0"/>
+              <a:t>The ComboBox holds a set of items (an array)</a:t>
+            </a:r>
+          </a:p>
+          <a:p>
+            <a:pPr lvl="1" indent="-282575">
+              <a:tabLst>
+                <a:tab pos="282575" algn="l"/>
+                <a:tab pos="284163" algn="l"/>
+              </a:tabLst>
+            </a:pPr>
+            <a:r>
+              <a:rPr lang="en-US" sz="2600" dirty="0"/>
+              <a:t>Initially </a:t>
+            </a:r>
+            <a:r>
+              <a:rPr lang="en-US" sz="2600" dirty="0" smtClean="0"/>
+              <a:t>only a single item</a:t>
+            </a:r>
+            <a:r>
+              <a:rPr lang="en-US" sz="2600" dirty="0"/>
+              <a:t>, the selected item, is visible (</a:t>
+            </a:r>
+            <a:r>
+              <a:rPr lang="en-US" sz="2600" dirty="0">
+                <a:solidFill>
+                  <a:schemeClr val="accent5">
+                    <a:lumMod val="20000"/>
+                    <a:lumOff val="80000"/>
+                  </a:schemeClr>
+                </a:solidFill>
+              </a:rPr>
+              <a:t>the ComboBox is collapsed</a:t>
+            </a:r>
+            <a:r>
+              <a:rPr lang="en-US" sz="2600" dirty="0"/>
+              <a:t>)</a:t>
+            </a:r>
+          </a:p>
+          <a:p>
+            <a:pPr lvl="1" indent="-282575">
+              <a:tabLst>
+                <a:tab pos="282575" algn="l"/>
+                <a:tab pos="284163" algn="l"/>
+              </a:tabLst>
+            </a:pPr>
+            <a:r>
+              <a:rPr lang="en-US" sz="2600" dirty="0"/>
+              <a:t>When the selected item is clicked, all other items are shown (</a:t>
+            </a:r>
+            <a:r>
+              <a:rPr lang="en-US" sz="2600" dirty="0">
+                <a:solidFill>
+                  <a:schemeClr val="accent5">
+                    <a:lumMod val="20000"/>
+                    <a:lumOff val="80000"/>
+                  </a:schemeClr>
+                </a:solidFill>
+              </a:rPr>
+              <a:t>the ComboBox is expanded</a:t>
+            </a:r>
+            <a:r>
+              <a:rPr lang="en-US" sz="2600" dirty="0"/>
+              <a:t>)</a:t>
+            </a:r>
+          </a:p>
+          <a:p>
+            <a:pPr marL="914400" lvl="2" indent="-274638">
+              <a:tabLst>
+                <a:tab pos="282575" algn="l"/>
+                <a:tab pos="284163" algn="l"/>
+              </a:tabLst>
+            </a:pPr>
+            <a:r>
+              <a:rPr lang="en-US" sz="2400" dirty="0" smtClean="0"/>
+              <a:t>If an item is clicked, it becomes the selected item and the ComboBox collapses</a:t>
+            </a:r>
+          </a:p>
+          <a:p>
+            <a:pPr marL="622300" lvl="1" indent="-274638">
+              <a:tabLst>
+                <a:tab pos="282575" algn="l"/>
+                <a:tab pos="284163" algn="l"/>
+              </a:tabLst>
+            </a:pPr>
+            <a:r>
+              <a:rPr lang="en-US" sz="2600" dirty="0" smtClean="0"/>
+              <a:t>Each of the items in a ComboBox can contain any valid HTML code</a:t>
+            </a:r>
+          </a:p>
+          <a:p>
+            <a:pPr marL="1096963" lvl="2" indent="-457200">
+              <a:tabLst>
+                <a:tab pos="282575" algn="l"/>
+                <a:tab pos="284163" algn="l"/>
+              </a:tabLst>
+            </a:pPr>
+            <a:endParaRPr lang="en-US" sz="2400" dirty="0" smtClean="0"/>
+          </a:p>
+          <a:p>
+            <a:pPr marL="695326" lvl="1" indent="-347663">
               <a:buFont typeface="+mj-lt"/>
               <a:buAutoNum type="arabicPeriod" startAt="2"/>
               <a:tabLst>
@@ -7984,13 +8561,107 @@
                 <a:tab pos="284163" algn="l"/>
               </a:tabLst>
             </a:pPr>
+            <a:endParaRPr lang="en-US" sz="2600" dirty="0" smtClean="0"/>
+          </a:p>
+          <a:p>
+            <a:pPr marL="987426" lvl="2" indent="-347663">
+              <a:tabLst>
+                <a:tab pos="282575" algn="l"/>
+                <a:tab pos="284163" algn="l"/>
+              </a:tabLst>
+            </a:pPr>
+            <a:endParaRPr lang="en-US" sz="2400" dirty="0"/>
+          </a:p>
+        </p:txBody>
+      </p:sp>
+    </p:spTree>
+    <p:extLst>
+      <p:ext uri="{BB962C8B-B14F-4D97-AF65-F5344CB8AC3E}">
+        <p14:creationId xmlns:p14="http://schemas.microsoft.com/office/powerpoint/2010/main" val="2974978886"/>
+      </p:ext>
+    </p:extLst>
+  </p:cSld>
+  <p:clrMapOvr>
+    <a:masterClrMapping/>
+  </p:clrMapOvr>
+</p:sld>
+</file>
+
+<file path=ppt/slides/slide23.xml><?xml version="1.0" encoding="utf-8"?>
+<p:sld xmlns:a="http://schemas.openxmlformats.org/drawingml/2006/main" xmlns:r="http://schemas.openxmlformats.org/officeDocument/2006/relationships" xmlns:p="http://schemas.openxmlformats.org/presentationml/2006/main">
+  <p:cSld>
+    <p:spTree>
+      <p:nvGrpSpPr>
+        <p:cNvPr id="1" name=""/>
+        <p:cNvGrpSpPr/>
+        <p:nvPr/>
+      </p:nvGrpSpPr>
+      <p:grpSpPr>
+        <a:xfrm>
+          <a:off x="0" y="0"/>
+          <a:ext cx="0" cy="0"/>
+          <a:chOff x="0" y="0"/>
+          <a:chExt cx="0" cy="0"/>
+        </a:xfrm>
+      </p:grpSpPr>
+      <p:sp>
+        <p:nvSpPr>
+          <p:cNvPr id="4" name="Title 3"/>
+          <p:cNvSpPr>
+            <a:spLocks noGrp="1"/>
+          </p:cNvSpPr>
+          <p:nvPr>
+            <p:ph type="title"/>
+          </p:nvPr>
+        </p:nvSpPr>
+        <p:spPr/>
+        <p:txBody>
+          <a:bodyPr/>
+          <a:lstStyle/>
+          <a:p>
+            <a:r>
+              <a:rPr lang="en-US" dirty="0" smtClean="0"/>
+              <a:t>Homework (2)</a:t>
+            </a:r>
+            <a:endParaRPr lang="bg-BG" dirty="0"/>
+          </a:p>
+        </p:txBody>
+      </p:sp>
+      <p:sp>
+        <p:nvSpPr>
+          <p:cNvPr id="5" name="Content Placeholder 4"/>
+          <p:cNvSpPr>
+            <a:spLocks noGrp="1"/>
+          </p:cNvSpPr>
+          <p:nvPr>
+            <p:ph idx="1"/>
+          </p:nvPr>
+        </p:nvSpPr>
+        <p:spPr>
+          <a:xfrm>
+            <a:off x="228600" y="954025"/>
+            <a:ext cx="8686800" cy="2626360"/>
+          </a:xfrm>
+        </p:spPr>
+        <p:txBody>
+          <a:bodyPr/>
+          <a:lstStyle/>
+          <a:p>
+            <a:pPr marL="514350" indent="-514350">
+              <a:buFont typeface="+mj-lt"/>
+              <a:buAutoNum type="arabicPeriod"/>
+              <a:tabLst>
+                <a:tab pos="282575" algn="l"/>
+                <a:tab pos="284163" algn="l"/>
+              </a:tabLst>
+            </a:pPr>
             <a:r>
               <a:rPr lang="en-US" sz="2800" dirty="0" smtClean="0"/>
-              <a:t>*Using the ComboBox from the previous task, add the following:</a:t>
-            </a:r>
-          </a:p>
-          <a:p>
-            <a:pPr marL="658813" lvl="1" indent="-347663">
+              <a:t>(cont.) Implement a ComboBox control (like a dropdown list)</a:t>
+            </a:r>
+          </a:p>
+          <a:p>
+            <a:pPr marL="695326" lvl="1" indent="-347663">
               <a:lnSpc>
                 <a:spcPct val="100000"/>
               </a:lnSpc>
@@ -8001,49 +8672,37 @@
             </a:pPr>
             <a:r>
               <a:rPr lang="en-US" sz="2600" dirty="0" smtClean="0"/>
-              <a:t>A way to attach to the expanding and collapsing of the ComboBox (</a:t>
-            </a:r>
-            <a:r>
-              <a:rPr lang="en-US" sz="2400" dirty="0" err="1" smtClean="0">
+              <a:t>Use </a:t>
+            </a:r>
+            <a:r>
+              <a:rPr lang="en-US" sz="2600" dirty="0" smtClean="0">
                 <a:solidFill>
                   <a:schemeClr val="accent5">
                     <a:lumMod val="20000"/>
                     <a:lumOff val="80000"/>
                   </a:schemeClr>
                 </a:solidFill>
-                <a:latin typeface="Consolas" panose="020B0609020204030204" pitchFamily="49" charset="0"/>
-                <a:cs typeface="Consolas" panose="020B0609020204030204" pitchFamily="49" charset="0"/>
               </a:rPr>
-              <a:t>onCollapsing</a:t>
-            </a:r>
-            <a:r>
-              <a:rPr lang="en-US" sz="2600" dirty="0"/>
-              <a:t> </a:t>
+              <a:t>RequireJS</a:t>
             </a:r>
             <a:r>
               <a:rPr lang="en-US" sz="2600" dirty="0" smtClean="0"/>
-              <a:t>and </a:t>
-            </a:r>
-            <a:r>
-              <a:rPr lang="en-US" sz="2400" dirty="0" err="1" smtClean="0">
+              <a:t> and </a:t>
+            </a:r>
+            <a:r>
+              <a:rPr lang="en-US" sz="2600" dirty="0" smtClean="0">
                 <a:solidFill>
                   <a:schemeClr val="accent5">
                     <a:lumMod val="20000"/>
                     <a:lumOff val="80000"/>
                   </a:schemeClr>
                 </a:solidFill>
-                <a:latin typeface="Consolas" panose="020B0609020204030204" pitchFamily="49" charset="0"/>
-                <a:cs typeface="Consolas" panose="020B0609020204030204" pitchFamily="49" charset="0"/>
               </a:rPr>
-              <a:t>onExpanding</a:t>
-            </a:r>
-            <a:r>
-              <a:rPr lang="en-US" sz="2600" dirty="0" smtClean="0"/>
-              <a:t> events)</a:t>
-            </a:r>
-          </a:p>
-          <a:p>
-            <a:pPr marL="658813" lvl="1" indent="-347663">
+              <a:t>handlebars.js</a:t>
+            </a:r>
+          </a:p>
+          <a:p>
+            <a:pPr marL="1060450" lvl="2" indent="-457200">
               <a:lnSpc>
                 <a:spcPct val="100000"/>
               </a:lnSpc>
@@ -8053,29 +8712,17 @@
               </a:tabLst>
             </a:pPr>
             <a:r>
+              <a:rPr lang="en-US" sz="2600" dirty="0"/>
+              <a:t>jQuery is not </a:t>
+            </a:r>
+            <a:r>
               <a:rPr lang="en-US" sz="2600" dirty="0" smtClean="0"/>
-              <a:t>An event </a:t>
-            </a:r>
-            <a:r>
-              <a:rPr lang="en-US" sz="2400" dirty="0" err="1" smtClean="0">
-                <a:solidFill>
-                  <a:schemeClr val="accent5">
-                    <a:lumMod val="20000"/>
-                    <a:lumOff val="80000"/>
-                  </a:schemeClr>
-                </a:solidFill>
-                <a:latin typeface="Consolas" panose="020B0609020204030204" pitchFamily="49" charset="0"/>
-                <a:cs typeface="Consolas" panose="020B0609020204030204" pitchFamily="49" charset="0"/>
-              </a:rPr>
-              <a:t>onSelectionChanged</a:t>
-            </a:r>
-            <a:r>
-              <a:rPr lang="en-US" sz="2600" dirty="0" smtClean="0"/>
-              <a:t> event, that fires when the selected item is changed</a:t>
-            </a:r>
-          </a:p>
-          <a:p>
-            <a:pPr marL="950913" lvl="2" indent="-347663">
+              <a:t>obligatory (use it if you will)</a:t>
+            </a:r>
+            <a:endParaRPr lang="en-US" sz="2600" dirty="0"/>
+          </a:p>
+          <a:p>
+            <a:pPr marL="695326" lvl="1" indent="-347663">
               <a:lnSpc>
                 <a:spcPct val="100000"/>
               </a:lnSpc>
@@ -8085,25 +8732,273 @@
               </a:tabLst>
             </a:pPr>
             <a:r>
-              <a:rPr lang="en-US" sz="2400" dirty="0" smtClean="0"/>
-              <a:t>The </a:t>
-            </a:r>
-            <a:r>
-              <a:rPr lang="en-US" sz="2400" dirty="0" err="1" smtClean="0"/>
-              <a:t>onSelectionChanged</a:t>
-            </a:r>
-            <a:r>
-              <a:rPr lang="en-US" sz="2400" dirty="0" smtClean="0"/>
-              <a:t> event, must pass the new and the old selected HTML item</a:t>
+              <a:rPr lang="en-US" sz="2600" dirty="0" smtClean="0"/>
+              <a:t>The ComboBox should have the following usage:</a:t>
             </a:r>
             <a:endParaRPr lang="en-US" sz="2400" dirty="0"/>
+          </a:p>
+        </p:txBody>
+      </p:sp>
+      <p:sp>
+        <p:nvSpPr>
+          <p:cNvPr id="2" name="Text Placeholder 1"/>
+          <p:cNvSpPr>
+            <a:spLocks noGrp="1"/>
+          </p:cNvSpPr>
+          <p:nvPr>
+            <p:ph type="body" sz="quarter" idx="11"/>
+          </p:nvPr>
+        </p:nvSpPr>
+        <p:spPr>
+          <a:xfrm>
+            <a:off x="457200" y="3666744"/>
+            <a:ext cx="8247888" cy="2908489"/>
+          </a:xfrm>
+        </p:spPr>
+        <p:txBody>
+          <a:bodyPr/>
+          <a:lstStyle/>
+          <a:p>
+            <a:r>
+              <a:rPr lang="en-US" sz="1400" dirty="0"/>
+              <a:t>var people = </a:t>
+            </a:r>
+            <a:r>
+              <a:rPr lang="en-US" sz="1400" dirty="0" smtClean="0"/>
+              <a:t>[</a:t>
+            </a:r>
+          </a:p>
+          <a:p>
+            <a:r>
+              <a:rPr lang="en-US" sz="1400" dirty="0"/>
+              <a:t> </a:t>
+            </a:r>
+            <a:r>
+              <a:rPr lang="en-US" sz="1400" dirty="0" smtClean="0"/>
+              <a:t> { id: 1, name</a:t>
+            </a:r>
+            <a:r>
+              <a:rPr lang="en-US" sz="1400" dirty="0"/>
+              <a:t>: "Doncho Minkov</a:t>
+            </a:r>
+            <a:r>
+              <a:rPr lang="en-US" sz="1400" dirty="0" smtClean="0"/>
+              <a:t>", age</a:t>
+            </a:r>
+            <a:r>
+              <a:rPr lang="en-US" sz="1400" dirty="0"/>
+              <a:t>: </a:t>
+            </a:r>
+            <a:r>
+              <a:rPr lang="en-US" sz="1400" dirty="0" smtClean="0"/>
+              <a:t>18, </a:t>
+            </a:r>
+            <a:r>
+              <a:rPr lang="en-US" sz="1400" dirty="0" err="1" smtClean="0"/>
+              <a:t>avatarUrl</a:t>
+            </a:r>
+            <a:r>
+              <a:rPr lang="en-US" sz="1400" dirty="0"/>
+              <a:t>: "images/minkov.jpg</a:t>
+            </a:r>
+            <a:r>
+              <a:rPr lang="en-US" sz="1400" dirty="0" smtClean="0"/>
+              <a:t>" }, </a:t>
+            </a:r>
+          </a:p>
+          <a:p>
+            <a:r>
+              <a:rPr lang="en-US" sz="1400" dirty="0"/>
+              <a:t> </a:t>
+            </a:r>
+            <a:r>
+              <a:rPr lang="en-US" sz="1400" dirty="0" smtClean="0"/>
+              <a:t> { id: 2, name</a:t>
+            </a:r>
+            <a:r>
+              <a:rPr lang="en-US" sz="1400" dirty="0"/>
+              <a:t>: </a:t>
+            </a:r>
+            <a:r>
+              <a:rPr lang="en-US" sz="1400" dirty="0" smtClean="0"/>
+              <a:t>"</a:t>
+            </a:r>
+            <a:r>
+              <a:rPr lang="en-US" sz="1400" dirty="0"/>
+              <a:t>Georgi Georgiev</a:t>
+            </a:r>
+            <a:r>
+              <a:rPr lang="en-US" sz="1400" dirty="0" smtClean="0"/>
+              <a:t>", age</a:t>
+            </a:r>
+            <a:r>
+              <a:rPr lang="en-US" sz="1400" dirty="0"/>
+              <a:t>: 19</a:t>
+            </a:r>
+            <a:r>
+              <a:rPr lang="en-US" sz="1400" dirty="0" smtClean="0"/>
+              <a:t>, </a:t>
+            </a:r>
+            <a:r>
+              <a:rPr lang="en-US" sz="1400" dirty="0" err="1" smtClean="0"/>
+              <a:t>avatarUrl</a:t>
+            </a:r>
+            <a:r>
+              <a:rPr lang="en-US" sz="1400" dirty="0"/>
+              <a:t>: "images/joreto.jpg</a:t>
+            </a:r>
+            <a:r>
+              <a:rPr lang="en-US" sz="1400" dirty="0" smtClean="0"/>
+              <a:t>" }];</a:t>
+            </a:r>
+          </a:p>
+          <a:p>
+            <a:pPr>
+              <a:spcBef>
+                <a:spcPts val="900"/>
+              </a:spcBef>
+            </a:pPr>
+            <a:r>
+              <a:rPr lang="en-US" sz="1400" dirty="0" smtClean="0"/>
+              <a:t>var </a:t>
+            </a:r>
+            <a:r>
+              <a:rPr lang="en-US" sz="1400" dirty="0" err="1" smtClean="0"/>
+              <a:t>comboBox</a:t>
+            </a:r>
+            <a:r>
+              <a:rPr lang="en-US" sz="1400" dirty="0" smtClean="0"/>
+              <a:t> = </a:t>
+            </a:r>
+            <a:r>
+              <a:rPr lang="en-US" sz="1400" dirty="0" err="1" smtClean="0"/>
+              <a:t>controls.ComboBox</a:t>
+            </a:r>
+            <a:r>
+              <a:rPr lang="en-US" sz="1400" dirty="0" smtClean="0"/>
+              <a:t>(people);</a:t>
+            </a:r>
+          </a:p>
+          <a:p>
+            <a:r>
+              <a:rPr lang="en-US" sz="1400" dirty="0" smtClean="0"/>
+              <a:t>var template = $("#person-template").html();</a:t>
+            </a:r>
+          </a:p>
+          <a:p>
+            <a:r>
+              <a:rPr lang="en-US" sz="1400" dirty="0" smtClean="0"/>
+              <a:t>var </a:t>
+            </a:r>
+            <a:r>
+              <a:rPr lang="en-US" sz="1400" dirty="0" err="1" smtClean="0"/>
+              <a:t>comboBoxHtml</a:t>
+            </a:r>
+            <a:r>
+              <a:rPr lang="en-US" sz="1400" dirty="0" smtClean="0"/>
+              <a:t> = </a:t>
+            </a:r>
+            <a:r>
+              <a:rPr lang="en-US" sz="1400" dirty="0" err="1" smtClean="0"/>
+              <a:t>comboBox.render</a:t>
+            </a:r>
+            <a:r>
+              <a:rPr lang="en-US" sz="1400" dirty="0" smtClean="0"/>
+              <a:t>(template);</a:t>
+            </a:r>
+          </a:p>
+          <a:p>
+            <a:r>
+              <a:rPr lang="en-US" sz="1400" dirty="0" err="1" smtClean="0"/>
+              <a:t>container.innerHTML</a:t>
+            </a:r>
+            <a:r>
+              <a:rPr lang="en-US" sz="1400" dirty="0"/>
+              <a:t> </a:t>
+            </a:r>
+            <a:r>
+              <a:rPr lang="en-US" sz="1400" dirty="0" smtClean="0"/>
+              <a:t>= </a:t>
+            </a:r>
+            <a:r>
+              <a:rPr lang="en-US" sz="1400" dirty="0" err="1" smtClean="0"/>
+              <a:t>comboBoxHtml</a:t>
+            </a:r>
+            <a:r>
+              <a:rPr lang="en-US" sz="1400" dirty="0" smtClean="0"/>
+              <a:t>;</a:t>
+            </a:r>
+            <a:endParaRPr lang="en-US" sz="1400" dirty="0"/>
+          </a:p>
+          <a:p>
+            <a:pPr>
+              <a:spcBef>
+                <a:spcPts val="900"/>
+              </a:spcBef>
+            </a:pPr>
+            <a:r>
+              <a:rPr lang="en-US" sz="1400" dirty="0" smtClean="0"/>
+              <a:t>//sample template</a:t>
+            </a:r>
+          </a:p>
+          <a:p>
+            <a:r>
+              <a:rPr lang="en-US" sz="1400" dirty="0"/>
+              <a:t>&lt;div class="person-item" id="person-item-{{id}}"&gt;</a:t>
+            </a:r>
+          </a:p>
+          <a:p>
+            <a:r>
+              <a:rPr lang="en-US" sz="1400" dirty="0" smtClean="0"/>
+              <a:t>  &lt;</a:t>
+            </a:r>
+            <a:r>
+              <a:rPr lang="en-US" sz="1400" dirty="0"/>
+              <a:t>strong class="person-name"&gt;{{name}}&lt;/strong&gt;&lt;p class="person-age"&gt;{{age}}&lt;/</a:t>
+            </a:r>
+            <a:r>
+              <a:rPr lang="en-US" sz="1400" dirty="0" smtClean="0"/>
+              <a:t>p&gt;</a:t>
+            </a:r>
+          </a:p>
+          <a:p>
+            <a:r>
+              <a:rPr lang="en-US" sz="1400" dirty="0"/>
+              <a:t> </a:t>
+            </a:r>
+            <a:r>
+              <a:rPr lang="en-US" sz="1400" dirty="0" smtClean="0"/>
+              <a:t> &lt;img </a:t>
+            </a:r>
+            <a:r>
+              <a:rPr lang="en-US" sz="1400" dirty="0"/>
+              <a:t>src="{{</a:t>
+            </a:r>
+            <a:r>
+              <a:rPr lang="en-US" sz="1400" dirty="0" err="1"/>
+              <a:t>avatarUrl</a:t>
+            </a:r>
+            <a:r>
+              <a:rPr lang="en-US" sz="1400" dirty="0"/>
+              <a:t>}}" width="100px" /&gt;</a:t>
+            </a:r>
+          </a:p>
+          <a:p>
+            <a:r>
+              <a:rPr lang="en-US" sz="1400" dirty="0" smtClean="0"/>
+              <a:t>&lt;/</a:t>
+            </a:r>
+            <a:r>
+              <a:rPr lang="en-US" sz="1400" dirty="0"/>
+              <a:t>div&gt;</a:t>
+            </a:r>
           </a:p>
         </p:txBody>
       </p:sp>
     </p:spTree>
     <p:extLst>
       <p:ext uri="{BB962C8B-B14F-4D97-AF65-F5344CB8AC3E}">
-        <p14:creationId xmlns:p14="http://schemas.microsoft.com/office/powerpoint/2010/main" val="1059425212"/>
+        <p14:creationId xmlns:p14="http://schemas.microsoft.com/office/powerpoint/2010/main" val="2562633676"/>
       </p:ext>
     </p:extLst>
   </p:cSld>
@@ -8140,74 +9035,42 @@
             <p:ph type="ctrTitle"/>
           </p:nvPr>
         </p:nvSpPr>
-        <p:spPr>
-          <a:xfrm>
-            <a:off x="609600" y="1581151"/>
-            <a:ext cx="7924800" cy="685800"/>
-          </a:xfrm>
-        </p:spPr>
+        <p:spPr/>
         <p:txBody>
           <a:bodyPr/>
           <a:lstStyle/>
           <a:p>
             <a:r>
               <a:rPr lang="en-US" dirty="0" smtClean="0"/>
-              <a:t>RequireJS Overview</a:t>
+              <a:t>AMD Overview</a:t>
             </a:r>
             <a:endParaRPr lang="en-US" dirty="0"/>
           </a:p>
         </p:txBody>
       </p:sp>
-      <p:pic>
-        <p:nvPicPr>
-          <p:cNvPr id="2050" name="Picture 2" descr="http://upload.wikimedia.org/wikipedia/commons/0/00/Herceg_Novi_overview.JPG"/>
-          <p:cNvPicPr>
-            <a:picLocks noChangeAspect="1" noChangeArrowheads="1"/>
-          </p:cNvPicPr>
-          <p:nvPr/>
-        </p:nvPicPr>
-        <p:blipFill>
-          <a:blip r:embed="rId2">
-            <a:extLst>
-              <a:ext uri="{28A0092B-C50C-407E-A947-70E740481C1C}">
-                <a14:useLocalDpi xmlns:a14="http://schemas.microsoft.com/office/drawing/2010/main" val="0"/>
-              </a:ext>
-            </a:extLst>
-          </a:blip>
-          <a:srcRect/>
-          <a:stretch>
-            <a:fillRect/>
-          </a:stretch>
-        </p:blipFill>
-        <p:spPr bwMode="auto">
-          <a:xfrm>
-            <a:off x="1809750" y="2843554"/>
-            <a:ext cx="5524500" cy="3028950"/>
-          </a:xfrm>
-          <a:prstGeom prst="roundRect">
-            <a:avLst>
-              <a:gd name="adj" fmla="val 3867"/>
-            </a:avLst>
-          </a:prstGeom>
-          <a:solidFill>
-            <a:srgbClr val="FFFFFF"/>
-          </a:solidFill>
-          <a:ln>
-            <a:solidFill>
-              <a:schemeClr val="accent5">
-                <a:lumMod val="20000"/>
-                <a:lumOff val="80000"/>
-              </a:schemeClr>
-            </a:solidFill>
-          </a:ln>
-          <a:effectLst/>
-          <a:extLst/>
-        </p:spPr>
-      </p:pic>
+      <p:sp>
+        <p:nvSpPr>
+          <p:cNvPr id="5" name="Subtitle 4"/>
+          <p:cNvSpPr>
+            <a:spLocks noGrp="1"/>
+          </p:cNvSpPr>
+          <p:nvPr>
+            <p:ph type="subTitle" idx="1"/>
+          </p:nvPr>
+        </p:nvSpPr>
+        <p:spPr/>
+        <p:txBody>
+          <a:bodyPr/>
+          <a:lstStyle/>
+          <a:p>
+            <a:endParaRPr lang="en-US"/>
+          </a:p>
+        </p:txBody>
+      </p:sp>
     </p:spTree>
     <p:extLst>
       <p:ext uri="{BB962C8B-B14F-4D97-AF65-F5344CB8AC3E}">
-        <p14:creationId xmlns:p14="http://schemas.microsoft.com/office/powerpoint/2010/main" val="2990066500"/>
+        <p14:creationId xmlns:p14="http://schemas.microsoft.com/office/powerpoint/2010/main" val="3806159004"/>
       </p:ext>
     </p:extLst>
   </p:cSld>
@@ -8258,7 +9121,7 @@
           <a:p>
             <a:r>
               <a:rPr lang="en-US" dirty="0" smtClean="0"/>
-              <a:t>RequireJS Overview</a:t>
+              <a:t>AMD Overview</a:t>
             </a:r>
             <a:endParaRPr lang="en-US" dirty="0"/>
           </a:p>
@@ -8281,61 +9144,59 @@
           <a:p>
             <a:r>
               <a:rPr lang="en-US" dirty="0"/>
-              <a:t>RequireJS is a JavaScript file and module </a:t>
-            </a:r>
-            <a:r>
-              <a:rPr lang="en-US" dirty="0" smtClean="0"/>
-              <a:t>loader</a:t>
+              <a:t>Asynchronous module definition (AMD) is a JavaScript API for defining </a:t>
+            </a:r>
+            <a:r>
+              <a:rPr lang="en-US" dirty="0" smtClean="0"/>
+              <a:t>modules</a:t>
             </a:r>
           </a:p>
           <a:p>
             <a:pPr lvl="1"/>
             <a:r>
               <a:rPr lang="en-US" dirty="0" smtClean="0"/>
-              <a:t>It </a:t>
+              <a:t>And they are loaded asynchronously</a:t>
+            </a:r>
+          </a:p>
+          <a:p>
+            <a:pPr lvl="1"/>
+            <a:r>
+              <a:rPr lang="en-US" dirty="0" smtClean="0"/>
+              <a:t>Useful </a:t>
             </a:r>
             <a:r>
               <a:rPr lang="en-US" dirty="0"/>
-              <a:t>is optimized for in-browser </a:t>
-            </a:r>
-            <a:r>
-              <a:rPr lang="en-US" dirty="0" smtClean="0"/>
-              <a:t>use</a:t>
-            </a:r>
-          </a:p>
-          <a:p>
-            <a:pPr lvl="2"/>
-            <a:r>
-              <a:rPr lang="en-US" dirty="0" smtClean="0"/>
-              <a:t>Yet it can </a:t>
-            </a:r>
-            <a:r>
-              <a:rPr lang="en-US" dirty="0"/>
-              <a:t>be used in other JavaScript environments, like Rhino and </a:t>
-            </a:r>
-            <a:r>
-              <a:rPr lang="en-US" dirty="0" smtClean="0"/>
-              <a:t>Node</a:t>
-            </a:r>
-          </a:p>
-          <a:p>
-            <a:r>
-              <a:rPr lang="en-US" dirty="0" smtClean="0"/>
-              <a:t>Modular loaders improve the speed and quality of code</a:t>
+              <a:t>in improving the performance of </a:t>
+            </a:r>
+            <a:r>
+              <a:rPr lang="en-US" dirty="0" smtClean="0"/>
+              <a:t>websites</a:t>
+            </a:r>
+          </a:p>
+          <a:p>
+            <a:r>
+              <a:rPr lang="en-US" dirty="0" smtClean="0"/>
+              <a:t>AMD allows to create dependent modules</a:t>
             </a:r>
           </a:p>
           <a:p>
             <a:pPr lvl="1"/>
             <a:r>
               <a:rPr lang="en-US" dirty="0" smtClean="0"/>
-              <a:t>Inspire lazy-loading of JS files</a:t>
+              <a:t>Modules that need other modules to work</a:t>
+            </a:r>
+          </a:p>
+          <a:p>
+            <a:r>
+              <a:rPr lang="en-US" dirty="0" smtClean="0"/>
+              <a:t>RequireJS is a famous AMD library</a:t>
             </a:r>
           </a:p>
           <a:p>
             <a:pPr lvl="1"/>
             <a:r>
               <a:rPr lang="en-US" dirty="0" smtClean="0"/>
-              <a:t>Makes files dependent on other files</a:t>
+              <a:t>Runs both in the browser and in Node.js</a:t>
             </a:r>
             <a:endParaRPr lang="en-US" dirty="0"/>
           </a:p>
@@ -8344,13 +9205,20 @@
     </p:spTree>
     <p:extLst>
       <p:ext uri="{BB962C8B-B14F-4D97-AF65-F5344CB8AC3E}">
-        <p14:creationId xmlns:p14="http://schemas.microsoft.com/office/powerpoint/2010/main" val="969592326"/>
+        <p14:creationId xmlns:p14="http://schemas.microsoft.com/office/powerpoint/2010/main" val="3627591545"/>
       </p:ext>
     </p:extLst>
   </p:cSld>
   <p:clrMapOvr>
     <a:masterClrMapping/>
   </p:clrMapOvr>
+  <p:timing>
+    <p:tnLst>
+      <p:par>
+        <p:cTn id="1" dur="indefinite" restart="never" nodeType="tmRoot"/>
+      </p:par>
+    </p:tnLst>
+  </p:timing>
 </p:sld>
 </file>
 
@@ -8373,12 +9241,12 @@
       </p:grpSpPr>
       <p:sp>
         <p:nvSpPr>
-          <p:cNvPr id="2" name="Title 1"/>
+          <p:cNvPr id="4" name="Title 3"/>
           <p:cNvSpPr>
             <a:spLocks noGrp="1"/>
           </p:cNvSpPr>
           <p:nvPr>
-            <p:ph type="title"/>
+            <p:ph type="ctrTitle"/>
           </p:nvPr>
         </p:nvSpPr>
         <p:spPr/>
@@ -8388,7 +9256,7 @@
           <a:p>
             <a:r>
               <a:rPr lang="en-US" dirty="0" smtClean="0"/>
-              <a:t>Using RequireJS</a:t>
+              <a:t>Dive in RequireJS</a:t>
             </a:r>
             <a:endParaRPr lang="en-US" dirty="0"/>
           </a:p>
@@ -8396,12 +9264,12 @@
       </p:sp>
       <p:sp>
         <p:nvSpPr>
-          <p:cNvPr id="3" name="Content Placeholder 2"/>
+          <p:cNvPr id="3" name="Subtitle 2"/>
           <p:cNvSpPr>
             <a:spLocks noGrp="1"/>
           </p:cNvSpPr>
           <p:nvPr>
-            <p:ph idx="1"/>
+            <p:ph type="subTitle" idx="1"/>
           </p:nvPr>
         </p:nvSpPr>
         <p:spPr/>
@@ -8411,49 +9279,29 @@
           <a:p>
             <a:r>
               <a:rPr lang="en-US" dirty="0" smtClean="0"/>
-              <a:t>Using RequireJS makes code more simpler and optimized</a:t>
-            </a:r>
-          </a:p>
-          <a:p>
-            <a:pPr lvl="1"/>
-            <a:r>
-              <a:rPr lang="en-US" dirty="0" smtClean="0"/>
-              <a:t>Instead of loading all the JavaScript files on the page load, load them when needed</a:t>
-            </a:r>
-          </a:p>
-          <a:p>
-            <a:r>
-              <a:rPr lang="en-US" dirty="0" smtClean="0"/>
-              <a:t>RequireJS needs a configuration file to load other files</a:t>
-            </a:r>
-          </a:p>
-          <a:p>
-            <a:pPr lvl="1"/>
-            <a:r>
-              <a:rPr lang="en-US" dirty="0" smtClean="0"/>
-              <a:t>The </a:t>
-            </a:r>
-            <a:r>
-              <a:rPr lang="en-US" dirty="0" err="1" smtClean="0"/>
-              <a:t>config</a:t>
-            </a:r>
-            <a:r>
-              <a:rPr lang="en-US" dirty="0" smtClean="0"/>
-              <a:t> file is the single JavaScript file in the web page</a:t>
-            </a:r>
+              <a:t>How to create dependent modules?</a:t>
+            </a:r>
+            <a:endParaRPr lang="en-US" dirty="0"/>
           </a:p>
         </p:txBody>
       </p:sp>
     </p:spTree>
     <p:extLst>
       <p:ext uri="{BB962C8B-B14F-4D97-AF65-F5344CB8AC3E}">
-        <p14:creationId xmlns:p14="http://schemas.microsoft.com/office/powerpoint/2010/main" val="1996299534"/>
+        <p14:creationId xmlns:p14="http://schemas.microsoft.com/office/powerpoint/2010/main" val="2990066500"/>
       </p:ext>
     </p:extLst>
   </p:cSld>
   <p:clrMapOvr>
     <a:masterClrMapping/>
   </p:clrMapOvr>
+  <p:timing>
+    <p:tnLst>
+      <p:par>
+        <p:cTn id="1" dur="indefinite" restart="never" nodeType="tmRoot"/>
+      </p:par>
+    </p:tnLst>
+  </p:timing>
 </p:sld>
 </file>
 
@@ -8476,7 +9324,7 @@
       </p:grpSpPr>
       <p:sp>
         <p:nvSpPr>
-          <p:cNvPr id="2" name="Title 1"/>
+          <p:cNvPr id="4" name="Title 3"/>
           <p:cNvSpPr>
             <a:spLocks noGrp="1"/>
           </p:cNvSpPr>
@@ -8491,7 +9339,7 @@
           <a:p>
             <a:r>
               <a:rPr lang="en-US" dirty="0" smtClean="0"/>
-              <a:t>Using RequireJS (2)</a:t>
+              <a:t>RequireJS Overview</a:t>
             </a:r>
             <a:endParaRPr lang="en-US" dirty="0"/>
           </a:p>
@@ -8499,7 +9347,7 @@
       </p:sp>
       <p:sp>
         <p:nvSpPr>
-          <p:cNvPr id="3" name="Content Placeholder 2"/>
+          <p:cNvPr id="5" name="Content Placeholder 4"/>
           <p:cNvSpPr>
             <a:spLocks noGrp="1"/>
           </p:cNvSpPr>
@@ -8507,82 +9355,90 @@
             <p:ph idx="1"/>
           </p:nvPr>
         </p:nvSpPr>
-        <p:spPr>
-          <a:xfrm>
-            <a:off x="228600" y="1952624"/>
-            <a:ext cx="8686800" cy="4752975"/>
-          </a:xfrm>
-        </p:spPr>
+        <p:spPr/>
         <p:txBody>
           <a:bodyPr/>
           <a:lstStyle/>
           <a:p>
             <a:r>
               <a:rPr lang="en-US" dirty="0"/>
-              <a:t>RequireJS loads all code relative to a </a:t>
-            </a:r>
-            <a:r>
-              <a:rPr lang="en-US" dirty="0" smtClean="0">
-                <a:solidFill>
-                  <a:schemeClr val="accent5">
-                    <a:lumMod val="20000"/>
-                    <a:lumOff val="80000"/>
-                  </a:schemeClr>
-                </a:solidFill>
-                <a:latin typeface="Consolas" panose="020B0609020204030204" pitchFamily="49" charset="0"/>
-                <a:cs typeface="Consolas" panose="020B0609020204030204" pitchFamily="49" charset="0"/>
-              </a:rPr>
-              <a:t>baseUrl</a:t>
+              <a:t>RequireJS is a JavaScript file and module </a:t>
+            </a:r>
+            <a:r>
+              <a:rPr lang="en-US" dirty="0" smtClean="0"/>
+              <a:t>loader</a:t>
             </a:r>
           </a:p>
           <a:p>
             <a:pPr lvl="1"/>
             <a:r>
               <a:rPr lang="en-US" dirty="0" smtClean="0"/>
-              <a:t>The url given in data-main</a:t>
-            </a:r>
-          </a:p>
-          <a:p>
+              <a:t>It </a:t>
+            </a:r>
             <a:r>
               <a:rPr lang="en-US" dirty="0"/>
-              <a:t>RequireJS </a:t>
-            </a:r>
-            <a:r>
-              <a:rPr lang="en-US" dirty="0" smtClean="0"/>
-              <a:t>assumes </a:t>
+              <a:t>is optimized for in-browser </a:t>
+            </a:r>
+            <a:r>
+              <a:rPr lang="en-US" dirty="0" smtClean="0"/>
+              <a:t>use</a:t>
+            </a:r>
+          </a:p>
+          <a:p>
+            <a:pPr lvl="2"/>
+            <a:r>
+              <a:rPr lang="en-US" dirty="0" smtClean="0"/>
+              <a:t>Yet it can </a:t>
             </a:r>
             <a:r>
               <a:rPr lang="en-US" dirty="0"/>
-              <a:t>by default that all dependencies are </a:t>
-            </a:r>
-            <a:r>
-              <a:rPr lang="en-US" dirty="0" smtClean="0"/>
-              <a:t>scripts</a:t>
+              <a:t>be used in other JavaScript environments, like Rhino and </a:t>
+            </a:r>
+            <a:r>
+              <a:rPr lang="en-US" dirty="0" smtClean="0"/>
+              <a:t>Node</a:t>
+            </a:r>
+          </a:p>
+          <a:p>
+            <a:r>
+              <a:rPr lang="en-US" dirty="0" smtClean="0"/>
+              <a:t>Modular loaders improve the speed and quality of code</a:t>
             </a:r>
           </a:p>
           <a:p>
             <a:pPr lvl="1"/>
             <a:r>
               <a:rPr lang="en-US" dirty="0" smtClean="0"/>
-              <a:t>Suffix ".js" is not expected</a:t>
+              <a:t>Inspire lazy-loading of JS files</a:t>
             </a:r>
           </a:p>
           <a:p>
             <a:pPr lvl="1"/>
-            <a:endParaRPr lang="en-US" dirty="0" smtClean="0"/>
+            <a:r>
+              <a:rPr lang="en-US" dirty="0" smtClean="0"/>
+              <a:t>Makes files dependent on other files</a:t>
+            </a:r>
+            <a:endParaRPr lang="en-US" dirty="0"/>
           </a:p>
         </p:txBody>
       </p:sp>
     </p:spTree>
     <p:extLst>
       <p:ext uri="{BB962C8B-B14F-4D97-AF65-F5344CB8AC3E}">
-        <p14:creationId xmlns:p14="http://schemas.microsoft.com/office/powerpoint/2010/main" val="503145827"/>
+        <p14:creationId xmlns:p14="http://schemas.microsoft.com/office/powerpoint/2010/main" val="969592326"/>
       </p:ext>
     </p:extLst>
   </p:cSld>
   <p:clrMapOvr>
     <a:masterClrMapping/>
   </p:clrMapOvr>
+  <p:timing>
+    <p:tnLst>
+      <p:par>
+        <p:cTn id="1" dur="indefinite" restart="never" nodeType="tmRoot"/>
+      </p:par>
+    </p:tnLst>
+  </p:timing>
 </p:sld>
 </file>
 
@@ -8620,11 +9476,7 @@
           <a:p>
             <a:r>
               <a:rPr lang="en-US" dirty="0" smtClean="0"/>
-              <a:t>RequireJS </a:t>
-            </a:r>
-            <a:r>
-              <a:rPr lang="en-US" dirty="0" err="1" smtClean="0"/>
-              <a:t>Config</a:t>
+              <a:t>RequireJS Overview (2)</a:t>
             </a:r>
             <a:endParaRPr lang="en-US" dirty="0"/>
           </a:p>
@@ -8642,8 +9494,8 @@
         </p:nvSpPr>
         <p:spPr>
           <a:xfrm>
-            <a:off x="228600" y="1428750"/>
-            <a:ext cx="8686800" cy="579646"/>
+            <a:off x="228600" y="1085850"/>
+            <a:ext cx="8686800" cy="5619750"/>
           </a:xfrm>
         </p:spPr>
         <p:txBody>
@@ -8652,433 +9504,58 @@
           <a:p>
             <a:r>
               <a:rPr lang="en-US" dirty="0" smtClean="0"/>
-              <a:t>The web page should load only the app </a:t>
-            </a:r>
-            <a:r>
-              <a:rPr lang="en-US" dirty="0" err="1" smtClean="0"/>
-              <a:t>config</a:t>
-            </a:r>
-            <a:r>
-              <a:rPr lang="en-US" dirty="0" smtClean="0"/>
-              <a:t> file:</a:t>
-            </a:r>
-          </a:p>
-          <a:p>
+              <a:t>Using RequireJS makes code more simpler and optimized</a:t>
+            </a:r>
+          </a:p>
+          <a:p>
+            <a:pPr lvl="1"/>
+            <a:r>
+              <a:rPr lang="en-US" dirty="0" smtClean="0"/>
+              <a:t>Instead of loading all the JavaScript files on the page load, load them when needed</a:t>
+            </a:r>
+            <a:endParaRPr lang="bg-BG" dirty="0" smtClean="0"/>
+          </a:p>
+          <a:p>
+            <a:r>
+              <a:rPr lang="en-US" dirty="0" smtClean="0"/>
+              <a:t>Handles the many-scripts-hell in a web page</a:t>
+            </a:r>
+          </a:p>
+          <a:p>
+            <a:pPr lvl="1"/>
+            <a:r>
+              <a:rPr lang="en-US" dirty="0" smtClean="0"/>
+              <a:t>Load a single file/module (app.js)</a:t>
+            </a:r>
+          </a:p>
+          <a:p>
+            <a:pPr lvl="1"/>
+            <a:r>
+              <a:rPr lang="en-US" dirty="0" smtClean="0"/>
+              <a:t>And this file will require other files/modules</a:t>
+            </a:r>
+          </a:p>
+          <a:p>
+            <a:pPr lvl="1"/>
+            <a:r>
+              <a:rPr lang="en-US" dirty="0" smtClean="0"/>
+              <a:t>And these other modules will require more modules etc…</a:t>
+            </a:r>
+          </a:p>
+          <a:p>
+            <a:pPr lvl="1"/>
             <a:endParaRPr lang="en-US" dirty="0" smtClean="0"/>
           </a:p>
-        </p:txBody>
-      </p:sp>
-      <p:sp>
-        <p:nvSpPr>
-          <p:cNvPr id="4" name="Text Placeholder 3"/>
-          <p:cNvSpPr>
-            <a:spLocks noGrp="1"/>
-          </p:cNvSpPr>
-          <p:nvPr>
-            <p:ph type="body" sz="quarter" idx="11"/>
-          </p:nvPr>
-        </p:nvSpPr>
-        <p:spPr>
-          <a:xfrm>
-            <a:off x="533400" y="2145032"/>
-            <a:ext cx="8077200" cy="3170099"/>
-          </a:xfrm>
-        </p:spPr>
-        <p:txBody>
-          <a:bodyPr/>
-          <a:lstStyle/>
-          <a:p>
-            <a:r>
-              <a:rPr lang="en-US" dirty="0"/>
-              <a:t>&lt;!DOCTYPE html&gt;</a:t>
-            </a:r>
-          </a:p>
-          <a:p>
-            <a:r>
-              <a:rPr lang="en-US" dirty="0"/>
-              <a:t>&lt;html&gt;</a:t>
-            </a:r>
-          </a:p>
-          <a:p>
-            <a:r>
-              <a:rPr lang="en-US" dirty="0" smtClean="0"/>
-              <a:t>&lt;</a:t>
-            </a:r>
-            <a:r>
-              <a:rPr lang="en-US" dirty="0"/>
-              <a:t>head</a:t>
-            </a:r>
-            <a:r>
-              <a:rPr lang="en-US" dirty="0" smtClean="0"/>
-              <a:t>&gt;</a:t>
-            </a:r>
-          </a:p>
-          <a:p>
-            <a:r>
-              <a:rPr lang="en-US" dirty="0" smtClean="0"/>
-              <a:t>  &lt;</a:t>
-            </a:r>
-            <a:r>
-              <a:rPr lang="en-US" dirty="0"/>
-              <a:t>script data-main="</a:t>
-            </a:r>
-            <a:r>
-              <a:rPr lang="en-US" dirty="0" smtClean="0"/>
-              <a:t>scripts/app-</a:t>
-            </a:r>
-            <a:r>
-              <a:rPr lang="en-US" dirty="0" err="1" smtClean="0"/>
-              <a:t>config</a:t>
-            </a:r>
-            <a:r>
-              <a:rPr lang="en-US" dirty="0" smtClean="0"/>
-              <a:t>"  </a:t>
-            </a:r>
-          </a:p>
-          <a:p>
-            <a:r>
-              <a:rPr lang="en-US" dirty="0"/>
-              <a:t> </a:t>
-            </a:r>
-            <a:r>
-              <a:rPr lang="en-US" dirty="0" smtClean="0"/>
-              <a:t>         src="Scripts/require.js</a:t>
-            </a:r>
-            <a:r>
-              <a:rPr lang="en-US" dirty="0"/>
-              <a:t>"&gt;&lt;/script&gt;</a:t>
-            </a:r>
-          </a:p>
-          <a:p>
-            <a:r>
-              <a:rPr lang="en-US" dirty="0"/>
-              <a:t>    &lt;/head&gt;</a:t>
-            </a:r>
-          </a:p>
-          <a:p>
-            <a:r>
-              <a:rPr lang="en-US" dirty="0"/>
-              <a:t>    &lt;body</a:t>
-            </a:r>
-            <a:r>
-              <a:rPr lang="en-US" dirty="0" smtClean="0"/>
-              <a:t>&gt;</a:t>
-            </a:r>
-          </a:p>
-          <a:p>
-            <a:r>
-              <a:rPr lang="en-US" dirty="0" smtClean="0"/>
-              <a:t>      …</a:t>
-            </a:r>
-          </a:p>
-          <a:p>
-            <a:r>
-              <a:rPr lang="en-US" dirty="0" smtClean="0"/>
-              <a:t>    </a:t>
-            </a:r>
-            <a:r>
-              <a:rPr lang="en-US" dirty="0"/>
-              <a:t>&lt;/body&gt;</a:t>
-            </a:r>
-          </a:p>
-          <a:p>
-            <a:r>
-              <a:rPr lang="en-US" dirty="0"/>
-              <a:t>&lt;/html&gt;</a:t>
-            </a:r>
-          </a:p>
-        </p:txBody>
-      </p:sp>
-      <p:sp>
-        <p:nvSpPr>
-          <p:cNvPr id="6" name="Content Placeholder 2"/>
-          <p:cNvSpPr txBox="1">
-            <a:spLocks/>
-          </p:cNvSpPr>
-          <p:nvPr/>
-        </p:nvSpPr>
-        <p:spPr>
-          <a:xfrm>
-            <a:off x="228600" y="5457865"/>
-            <a:ext cx="8686800" cy="553998"/>
-          </a:xfrm>
-          <a:prstGeom prst="rect">
-            <a:avLst/>
-          </a:prstGeom>
-        </p:spPr>
-        <p:txBody>
-          <a:bodyPr>
-            <a:spAutoFit/>
-          </a:bodyPr>
-          <a:lstStyle>
-            <a:lvl1pPr marL="319088" marR="0" indent="-319088" algn="l" defTabSz="914400" rtl="0" eaLnBrk="0" fontAlgn="base" latinLnBrk="0" hangingPunct="0">
-              <a:lnSpc>
-                <a:spcPct val="100000"/>
-              </a:lnSpc>
-              <a:spcBef>
-                <a:spcPct val="20000"/>
-              </a:spcBef>
-              <a:spcAft>
-                <a:spcPct val="0"/>
-              </a:spcAft>
-              <a:buClr>
-                <a:srgbClr val="46A6BD">
-                  <a:lumMod val="40000"/>
-                  <a:lumOff val="60000"/>
-                </a:srgbClr>
-              </a:buClr>
-              <a:buSzPct val="70000"/>
-              <a:buFont typeface="Wingdings 2" pitchFamily="18" charset="2"/>
-              <a:buChar char=""/>
-              <a:tabLst/>
-              <a:defRPr sz="3000" b="1" kern="1200" baseline="0">
-                <a:solidFill>
-                  <a:schemeClr val="tx1">
-                    <a:lumMod val="40000"/>
-                    <a:lumOff val="60000"/>
-                  </a:schemeClr>
-                </a:solidFill>
-                <a:effectLst>
-                  <a:outerShdw blurRad="38100" dist="38100" dir="2700000" algn="tl">
-                    <a:srgbClr val="000000">
-                      <a:alpha val="43137"/>
-                    </a:srgbClr>
-                  </a:outerShdw>
-                </a:effectLst>
-                <a:latin typeface="+mn-lt"/>
-                <a:ea typeface="+mn-ea"/>
-                <a:cs typeface="+mn-cs"/>
-              </a:defRPr>
-            </a:lvl1pPr>
-            <a:lvl2pPr marL="630238" indent="-273050" algn="l" rtl="0" eaLnBrk="1" fontAlgn="base" hangingPunct="1">
-              <a:lnSpc>
-                <a:spcPts val="3800"/>
-              </a:lnSpc>
-              <a:spcBef>
-                <a:spcPts val="600"/>
-              </a:spcBef>
-              <a:spcAft>
-                <a:spcPts val="600"/>
-              </a:spcAft>
-              <a:buClr>
-                <a:srgbClr val="8FD600"/>
-              </a:buClr>
-              <a:buFont typeface="Wingdings 2" pitchFamily="18" charset="2"/>
-              <a:buChar char=""/>
-              <a:defRPr sz="3000" b="1" kern="1200">
-                <a:solidFill>
-                  <a:schemeClr val="tx1">
-                    <a:lumMod val="40000"/>
-                    <a:lumOff val="60000"/>
-                  </a:schemeClr>
-                </a:solidFill>
-                <a:effectLst>
-                  <a:outerShdw blurRad="38100" dist="38100" dir="2700000" algn="tl">
-                    <a:srgbClr val="000000">
-                      <a:alpha val="43137"/>
-                    </a:srgbClr>
-                  </a:outerShdw>
-                </a:effectLst>
-                <a:latin typeface="+mn-lt"/>
-                <a:ea typeface="+mn-ea"/>
-                <a:cs typeface="+mn-cs"/>
-              </a:defRPr>
-            </a:lvl2pPr>
-            <a:lvl3pPr marL="922338" indent="-273050" algn="l" rtl="0" eaLnBrk="1" fontAlgn="base" hangingPunct="1">
-              <a:lnSpc>
-                <a:spcPts val="3800"/>
-              </a:lnSpc>
-              <a:spcBef>
-                <a:spcPts val="600"/>
-              </a:spcBef>
-              <a:spcAft>
-                <a:spcPts val="600"/>
-              </a:spcAft>
-              <a:buClr>
-                <a:srgbClr val="FFAD9F"/>
-              </a:buClr>
-              <a:buFont typeface="Wingdings 2" pitchFamily="18" charset="2"/>
-              <a:buChar char=""/>
-              <a:defRPr sz="2800" b="1" kern="1200">
-                <a:solidFill>
-                  <a:schemeClr val="tx1">
-                    <a:lumMod val="40000"/>
-                    <a:lumOff val="60000"/>
-                  </a:schemeClr>
-                </a:solidFill>
-                <a:effectLst>
-                  <a:outerShdw blurRad="38100" dist="38100" dir="2700000" algn="tl">
-                    <a:srgbClr val="000000">
-                      <a:alpha val="43137"/>
-                    </a:srgbClr>
-                  </a:outerShdw>
-                </a:effectLst>
-                <a:latin typeface="+mn-lt"/>
-                <a:ea typeface="+mn-ea"/>
-                <a:cs typeface="+mn-cs"/>
-              </a:defRPr>
-            </a:lvl3pPr>
-            <a:lvl4pPr marL="1187450" indent="-228600" algn="l" rtl="0" eaLnBrk="1" fontAlgn="base" hangingPunct="1">
-              <a:lnSpc>
-                <a:spcPts val="3800"/>
-              </a:lnSpc>
-              <a:spcBef>
-                <a:spcPts val="600"/>
-              </a:spcBef>
-              <a:spcAft>
-                <a:spcPts val="600"/>
-              </a:spcAft>
-              <a:buClr>
-                <a:srgbClr val="FACF82"/>
-              </a:buClr>
-              <a:buFont typeface="Wingdings 2" pitchFamily="18" charset="2"/>
-              <a:buChar char=""/>
-              <a:defRPr sz="2600" b="1" kern="1200">
-                <a:solidFill>
-                  <a:schemeClr val="tx1">
-                    <a:lumMod val="40000"/>
-                    <a:lumOff val="60000"/>
-                  </a:schemeClr>
-                </a:solidFill>
-                <a:effectLst>
-                  <a:outerShdw blurRad="38100" dist="38100" dir="2700000" algn="tl">
-                    <a:srgbClr val="000000">
-                      <a:alpha val="43137"/>
-                    </a:srgbClr>
-                  </a:outerShdw>
-                </a:effectLst>
-                <a:latin typeface="+mn-lt"/>
-                <a:ea typeface="+mn-ea"/>
-                <a:cs typeface="+mn-cs"/>
-              </a:defRPr>
-            </a:lvl4pPr>
-            <a:lvl5pPr marL="1425575" indent="-228600" algn="l" rtl="0" eaLnBrk="1" fontAlgn="base" hangingPunct="1">
-              <a:lnSpc>
-                <a:spcPts val="3800"/>
-              </a:lnSpc>
-              <a:spcBef>
-                <a:spcPts val="600"/>
-              </a:spcBef>
-              <a:spcAft>
-                <a:spcPts val="600"/>
-              </a:spcAft>
-              <a:buClr>
-                <a:srgbClr val="46A6BD"/>
-              </a:buClr>
-              <a:buFont typeface="Wingdings 2" pitchFamily="18" charset="2"/>
-              <a:buChar char=""/>
-              <a:defRPr sz="2400" b="1" kern="1200">
-                <a:solidFill>
-                  <a:schemeClr val="tx1">
-                    <a:lumMod val="40000"/>
-                    <a:lumOff val="60000"/>
-                  </a:schemeClr>
-                </a:solidFill>
-                <a:effectLst>
-                  <a:outerShdw blurRad="38100" dist="38100" dir="2700000" algn="tl">
-                    <a:srgbClr val="000000">
-                      <a:alpha val="43137"/>
-                    </a:srgbClr>
-                  </a:outerShdw>
-                </a:effectLst>
-                <a:latin typeface="+mn-lt"/>
-                <a:ea typeface="+mn-ea"/>
-                <a:cs typeface="+mn-cs"/>
-              </a:defRPr>
-            </a:lvl5pPr>
-            <a:lvl6pPr marL="1673352" indent="-228600" algn="l" rtl="0" eaLnBrk="1" latinLnBrk="0" hangingPunct="1">
-              <a:spcBef>
-                <a:spcPct val="20000"/>
-              </a:spcBef>
-              <a:buClr>
-                <a:schemeClr val="accent6"/>
-              </a:buClr>
-              <a:buFont typeface="Wingdings 2"/>
-              <a:buChar char=""/>
-              <a:defRPr sz="1800" kern="1200">
-                <a:solidFill>
-                  <a:schemeClr val="tx1"/>
-                </a:solidFill>
-                <a:latin typeface="+mn-lt"/>
-                <a:ea typeface="+mn-ea"/>
-                <a:cs typeface="+mn-cs"/>
-              </a:defRPr>
-            </a:lvl6pPr>
-            <a:lvl7pPr marL="1911096" indent="-228600" algn="l" rtl="0" eaLnBrk="1" latinLnBrk="0" hangingPunct="1">
-              <a:spcBef>
-                <a:spcPct val="20000"/>
-              </a:spcBef>
-              <a:buClr>
-                <a:schemeClr val="tx2"/>
-              </a:buClr>
-              <a:buFont typeface="Wingdings 2"/>
-              <a:buChar char=""/>
-              <a:defRPr sz="1600" kern="1200">
-                <a:solidFill>
-                  <a:schemeClr val="tx1"/>
-                </a:solidFill>
-                <a:latin typeface="+mn-lt"/>
-                <a:ea typeface="+mn-ea"/>
-                <a:cs typeface="+mn-cs"/>
-              </a:defRPr>
-            </a:lvl7pPr>
-            <a:lvl8pPr marL="2121408" indent="-182880" algn="l" rtl="0" eaLnBrk="1" latinLnBrk="0" hangingPunct="1">
-              <a:spcBef>
-                <a:spcPct val="20000"/>
-              </a:spcBef>
-              <a:buClr>
-                <a:schemeClr val="tx2"/>
-              </a:buClr>
-              <a:buFont typeface="Wingdings 2"/>
-              <a:buChar char=""/>
-              <a:defRPr sz="1400" kern="1200">
-                <a:solidFill>
-                  <a:schemeClr val="tx1"/>
-                </a:solidFill>
-                <a:latin typeface="+mn-lt"/>
-                <a:ea typeface="+mn-ea"/>
-                <a:cs typeface="+mn-cs"/>
-              </a:defRPr>
-            </a:lvl8pPr>
-            <a:lvl9pPr marL="2322576" indent="-182880" algn="l" rtl="0" eaLnBrk="1" latinLnBrk="0" hangingPunct="1">
-              <a:spcBef>
-                <a:spcPct val="20000"/>
-              </a:spcBef>
-              <a:buClr>
-                <a:schemeClr val="tx2"/>
-              </a:buClr>
-              <a:buFont typeface="Wingdings 2"/>
-              <a:buChar char=""/>
-              <a:defRPr sz="1400" kern="1200">
-                <a:solidFill>
-                  <a:schemeClr val="tx1"/>
-                </a:solidFill>
-                <a:latin typeface="+mn-lt"/>
-                <a:ea typeface="+mn-ea"/>
-                <a:cs typeface="+mn-cs"/>
-              </a:defRPr>
-            </a:lvl9pPr>
-          </a:lstStyle>
-          <a:p>
-            <a:r>
-              <a:rPr lang="en-US" dirty="0" smtClean="0"/>
-              <a:t>App </a:t>
-            </a:r>
-            <a:r>
-              <a:rPr lang="en-US" dirty="0" err="1" smtClean="0"/>
-              <a:t>config</a:t>
-            </a:r>
-            <a:r>
-              <a:rPr lang="en-US" dirty="0" smtClean="0"/>
-              <a:t> loads the other JS files</a:t>
-            </a:r>
+          <a:p>
+            <a:pPr lvl="1"/>
+            <a:endParaRPr lang="en-US" dirty="0" smtClean="0"/>
           </a:p>
         </p:txBody>
       </p:sp>
     </p:spTree>
     <p:extLst>
       <p:ext uri="{BB962C8B-B14F-4D97-AF65-F5344CB8AC3E}">
-        <p14:creationId xmlns:p14="http://schemas.microsoft.com/office/powerpoint/2010/main" val="341741327"/>
+        <p14:creationId xmlns:p14="http://schemas.microsoft.com/office/powerpoint/2010/main" val="1996299534"/>
       </p:ext>
     </p:extLst>
   </p:cSld>
@@ -9114,45 +9591,18 @@
       </p:grpSpPr>
       <p:sp>
         <p:nvSpPr>
-          <p:cNvPr id="2" name="Title 1"/>
+          <p:cNvPr id="4" name="Title 3"/>
           <p:cNvSpPr>
             <a:spLocks noGrp="1"/>
           </p:cNvSpPr>
           <p:nvPr>
-            <p:ph type="title"/>
-          </p:nvPr>
-        </p:nvSpPr>
-        <p:spPr/>
-        <p:txBody>
-          <a:bodyPr/>
-          <a:lstStyle/>
-          <a:p>
-            <a:r>
-              <a:rPr lang="en-US" dirty="0" smtClean="0"/>
-              <a:t>app-</a:t>
-            </a:r>
-            <a:r>
-              <a:rPr lang="en-US" dirty="0" err="1" smtClean="0"/>
-              <a:t>config</a:t>
-            </a:r>
-            <a:endParaRPr lang="en-US" dirty="0"/>
-          </a:p>
-        </p:txBody>
-      </p:sp>
-      <p:sp>
-        <p:nvSpPr>
-          <p:cNvPr id="3" name="Content Placeholder 2"/>
-          <p:cNvSpPr>
-            <a:spLocks noGrp="1"/>
-          </p:cNvSpPr>
-          <p:nvPr>
-            <p:ph idx="1"/>
+            <p:ph type="ctrTitle"/>
           </p:nvPr>
         </p:nvSpPr>
         <p:spPr>
           <a:xfrm>
-            <a:off x="228600" y="990600"/>
-            <a:ext cx="8686800" cy="1107996"/>
+            <a:off x="627355" y="3062796"/>
+            <a:ext cx="7924800" cy="685800"/>
           </a:xfrm>
         </p:spPr>
         <p:txBody>
@@ -9160,155 +9610,9 @@
           <a:lstStyle/>
           <a:p>
             <a:r>
-              <a:rPr lang="en-US" smtClean="0"/>
-              <a:t>The app.js is </a:t>
-            </a:r>
-            <a:r>
-              <a:rPr lang="en-US" dirty="0" smtClean="0"/>
-              <a:t>the file, loading other files</a:t>
-            </a:r>
-          </a:p>
-          <a:p>
-            <a:endParaRPr lang="en-US" dirty="0" smtClean="0"/>
-          </a:p>
-        </p:txBody>
-      </p:sp>
-      <p:sp>
-        <p:nvSpPr>
-          <p:cNvPr id="4" name="Text Placeholder 3"/>
-          <p:cNvSpPr>
-            <a:spLocks noGrp="1"/>
-          </p:cNvSpPr>
-          <p:nvPr>
-            <p:ph type="body" sz="quarter" idx="11"/>
-          </p:nvPr>
-        </p:nvSpPr>
-        <p:spPr>
-          <a:xfrm>
-            <a:off x="533400" y="1706882"/>
-            <a:ext cx="8077200" cy="4093428"/>
-          </a:xfrm>
-        </p:spPr>
-        <p:txBody>
-          <a:bodyPr/>
-          <a:lstStyle/>
-          <a:p>
-            <a:r>
-              <a:rPr lang="en-US" dirty="0" smtClean="0"/>
-              <a:t>//app.js</a:t>
-            </a:r>
-          </a:p>
-          <a:p>
-            <a:r>
-              <a:rPr lang="en-US" dirty="0"/>
-              <a:t>(function () {</a:t>
-            </a:r>
-          </a:p>
-          <a:p>
-            <a:r>
-              <a:rPr lang="en-US" dirty="0" smtClean="0"/>
-              <a:t>  </a:t>
-            </a:r>
-            <a:r>
-              <a:rPr lang="en-US" dirty="0" err="1" smtClean="0"/>
-              <a:t>require.config</a:t>
-            </a:r>
-            <a:r>
-              <a:rPr lang="en-US" dirty="0"/>
-              <a:t>({</a:t>
-            </a:r>
-          </a:p>
-          <a:p>
-            <a:r>
-              <a:rPr lang="en-US" dirty="0" smtClean="0"/>
-              <a:t>    paths</a:t>
-            </a:r>
-            <a:r>
-              <a:rPr lang="en-US" dirty="0"/>
-              <a:t>: {</a:t>
-            </a:r>
-          </a:p>
-          <a:p>
-            <a:r>
-              <a:rPr lang="en-US" dirty="0" smtClean="0"/>
-              <a:t>      "</a:t>
-            </a:r>
-            <a:r>
-              <a:rPr lang="en-US" dirty="0" err="1"/>
-              <a:t>jquery</a:t>
-            </a:r>
-            <a:r>
-              <a:rPr lang="en-US" dirty="0"/>
-              <a:t>": "libs/jquery-2.0.3</a:t>
-            </a:r>
-            <a:r>
-              <a:rPr lang="en-US" dirty="0" smtClean="0"/>
-              <a:t>"</a:t>
-            </a:r>
-          </a:p>
-          <a:p>
-            <a:r>
-              <a:rPr lang="en-US" dirty="0"/>
-              <a:t> </a:t>
-            </a:r>
-            <a:r>
-              <a:rPr lang="en-US" dirty="0" smtClean="0"/>
-              <a:t>   }</a:t>
-            </a:r>
-            <a:endParaRPr lang="en-US" dirty="0"/>
-          </a:p>
-          <a:p>
-            <a:r>
-              <a:rPr lang="en-US" dirty="0" smtClean="0"/>
-              <a:t>});</a:t>
-            </a:r>
-            <a:endParaRPr lang="en-US" dirty="0"/>
-          </a:p>
-          <a:p>
-            <a:endParaRPr lang="en-US" dirty="0"/>
-          </a:p>
-          <a:p>
-            <a:r>
-              <a:rPr lang="en-US" dirty="0"/>
-              <a:t>require(["</a:t>
-            </a:r>
-            <a:r>
-              <a:rPr lang="en-US" dirty="0" err="1"/>
-              <a:t>jquery</a:t>
-            </a:r>
-            <a:r>
-              <a:rPr lang="en-US" dirty="0"/>
-              <a:t>"], function () </a:t>
-            </a:r>
-            <a:r>
-              <a:rPr lang="en-US" dirty="0" smtClean="0"/>
-              <a:t>{</a:t>
-            </a:r>
-          </a:p>
-          <a:p>
-            <a:r>
-              <a:rPr lang="en-US" dirty="0"/>
-              <a:t> </a:t>
-            </a:r>
-            <a:r>
-              <a:rPr lang="en-US" dirty="0" smtClean="0"/>
-              <a:t> //write your jQuery-dependent code here</a:t>
-            </a:r>
-            <a:endParaRPr lang="en-US" dirty="0"/>
-          </a:p>
-          <a:p>
-            <a:r>
-              <a:rPr lang="en-US" dirty="0"/>
-              <a:t>});</a:t>
-            </a:r>
-          </a:p>
-          <a:p>
-            <a:r>
-              <a:rPr lang="en-US" dirty="0"/>
-              <a:t>}());</a:t>
-            </a:r>
-          </a:p>
-          <a:p>
+              <a:rPr lang="en-US" dirty="0" smtClean="0"/>
+              <a:t>Using RequireJS</a:t>
+            </a:r>
             <a:endParaRPr lang="en-US" dirty="0"/>
           </a:p>
         </p:txBody>
@@ -9316,7 +9620,7 @@
     </p:spTree>
     <p:extLst>
       <p:ext uri="{BB962C8B-B14F-4D97-AF65-F5344CB8AC3E}">
-        <p14:creationId xmlns:p14="http://schemas.microsoft.com/office/powerpoint/2010/main" val="2146841661"/>
+        <p14:creationId xmlns:p14="http://schemas.microsoft.com/office/powerpoint/2010/main" val="3446148253"/>
       </p:ext>
     </p:extLst>
   </p:cSld>
@@ -9352,18 +9656,41 @@
       </p:grpSpPr>
       <p:sp>
         <p:nvSpPr>
-          <p:cNvPr id="5" name="Title 4"/>
+          <p:cNvPr id="2" name="Title 1"/>
           <p:cNvSpPr>
             <a:spLocks noGrp="1"/>
           </p:cNvSpPr>
           <p:nvPr>
-            <p:ph type="ctrTitle"/>
+            <p:ph type="title"/>
+          </p:nvPr>
+        </p:nvSpPr>
+        <p:spPr/>
+        <p:txBody>
+          <a:bodyPr/>
+          <a:lstStyle/>
+          <a:p>
+            <a:r>
+              <a:rPr lang="en-US" dirty="0" smtClean="0"/>
+              <a:t>Using RequireJS</a:t>
+            </a:r>
+            <a:endParaRPr lang="en-US" dirty="0"/>
+          </a:p>
+        </p:txBody>
+      </p:sp>
+      <p:sp>
+        <p:nvSpPr>
+          <p:cNvPr id="3" name="Content Placeholder 2"/>
+          <p:cNvSpPr>
+            <a:spLocks noGrp="1"/>
+          </p:cNvSpPr>
+          <p:nvPr>
+            <p:ph idx="1"/>
           </p:nvPr>
         </p:nvSpPr>
         <p:spPr>
           <a:xfrm>
-            <a:off x="609600" y="939801"/>
-            <a:ext cx="7924800" cy="685800"/>
+            <a:off x="228600" y="1066799"/>
+            <a:ext cx="8686800" cy="5410201"/>
           </a:xfrm>
         </p:spPr>
         <p:txBody>
@@ -9371,95 +9698,94 @@
           <a:lstStyle/>
           <a:p>
             <a:r>
-              <a:rPr lang="en-US" dirty="0" smtClean="0"/>
-              <a:t>app-</a:t>
-            </a:r>
-            <a:r>
-              <a:rPr lang="en-US" dirty="0" err="1" smtClean="0"/>
+              <a:rPr lang="en-US" dirty="0"/>
+              <a:t>RequireJS needs a configuration file to load other files</a:t>
+            </a:r>
+          </a:p>
+          <a:p>
+            <a:pPr lvl="1"/>
+            <a:r>
+              <a:rPr lang="en-US" dirty="0"/>
+              <a:t>The </a:t>
+            </a:r>
+            <a:r>
+              <a:rPr lang="en-US" dirty="0" err="1"/>
               <a:t>config</a:t>
             </a:r>
-            <a:endParaRPr lang="en-US" dirty="0"/>
+            <a:r>
+              <a:rPr lang="en-US" dirty="0"/>
+              <a:t> file is the single JavaScript file in the web </a:t>
+            </a:r>
+            <a:r>
+              <a:rPr lang="en-US" dirty="0" smtClean="0"/>
+              <a:t>page</a:t>
+            </a:r>
+          </a:p>
+          <a:p>
+            <a:r>
+              <a:rPr lang="en-US" dirty="0" smtClean="0"/>
+              <a:t>RequireJS </a:t>
+            </a:r>
+            <a:r>
+              <a:rPr lang="en-US" dirty="0"/>
+              <a:t>loads all code relative to a </a:t>
+            </a:r>
+            <a:r>
+              <a:rPr lang="en-US" dirty="0" smtClean="0">
+                <a:solidFill>
+                  <a:schemeClr val="accent5">
+                    <a:lumMod val="20000"/>
+                    <a:lumOff val="80000"/>
+                  </a:schemeClr>
+                </a:solidFill>
+                <a:latin typeface="Consolas" panose="020B0609020204030204" pitchFamily="49" charset="0"/>
+                <a:cs typeface="Consolas" panose="020B0609020204030204" pitchFamily="49" charset="0"/>
+              </a:rPr>
+              <a:t>baseUrl</a:t>
+            </a:r>
+          </a:p>
+          <a:p>
+            <a:pPr lvl="1"/>
+            <a:r>
+              <a:rPr lang="en-US" dirty="0" smtClean="0"/>
+              <a:t>The url given in data-main</a:t>
+            </a:r>
+          </a:p>
+          <a:p>
+            <a:r>
+              <a:rPr lang="en-US" dirty="0"/>
+              <a:t>RequireJS </a:t>
+            </a:r>
+            <a:r>
+              <a:rPr lang="en-US" dirty="0" smtClean="0"/>
+              <a:t>assumes </a:t>
+            </a:r>
+            <a:r>
+              <a:rPr lang="en-US" dirty="0"/>
+              <a:t>by default that all dependencies are </a:t>
+            </a:r>
+            <a:r>
+              <a:rPr lang="en-US" dirty="0" smtClean="0"/>
+              <a:t>scripts</a:t>
+            </a:r>
+          </a:p>
+          <a:p>
+            <a:pPr lvl="1"/>
+            <a:r>
+              <a:rPr lang="en-US" dirty="0" smtClean="0"/>
+              <a:t>Suffix ".js" is not expected</a:t>
+            </a:r>
+          </a:p>
+          <a:p>
+            <a:pPr lvl="1"/>
+            <a:endParaRPr lang="en-US" dirty="0" smtClean="0"/>
           </a:p>
         </p:txBody>
       </p:sp>
-      <p:sp>
-        <p:nvSpPr>
-          <p:cNvPr id="6" name="Subtitle 5"/>
-          <p:cNvSpPr>
-            <a:spLocks noGrp="1"/>
-          </p:cNvSpPr>
-          <p:nvPr>
-            <p:ph type="subTitle" idx="1"/>
-          </p:nvPr>
-        </p:nvSpPr>
-        <p:spPr>
-          <a:xfrm>
-            <a:off x="609600" y="1666080"/>
-            <a:ext cx="7924800" cy="569120"/>
-          </a:xfrm>
-        </p:spPr>
-        <p:txBody>
-          <a:bodyPr/>
-          <a:lstStyle/>
-          <a:p>
-            <a:r>
-              <a:rPr lang="en-US" dirty="0" smtClean="0"/>
-              <a:t>Live Demo</a:t>
-            </a:r>
-            <a:endParaRPr lang="en-US" dirty="0"/>
-          </a:p>
-        </p:txBody>
-      </p:sp>
-      <p:pic>
-        <p:nvPicPr>
-          <p:cNvPr id="3076" name="Picture 4" descr="http://upload.wikimedia.org/wikipedia/en/7/76/Gc_squad_config.PNG"/>
-          <p:cNvPicPr>
-            <a:picLocks noChangeAspect="1" noChangeArrowheads="1"/>
-          </p:cNvPicPr>
-          <p:nvPr/>
-        </p:nvPicPr>
-        <p:blipFill>
-          <a:blip r:embed="rId2">
-            <a:extLst>
-              <a:ext uri="{28A0092B-C50C-407E-A947-70E740481C1C}">
-                <a14:useLocalDpi xmlns:a14="http://schemas.microsoft.com/office/drawing/2010/main" val="0"/>
-              </a:ext>
-            </a:extLst>
-          </a:blip>
-          <a:srcRect/>
-          <a:stretch>
-            <a:fillRect/>
-          </a:stretch>
-        </p:blipFill>
-        <p:spPr bwMode="auto">
-          <a:xfrm>
-            <a:off x="1333500" y="2393706"/>
-            <a:ext cx="6477000" cy="3861288"/>
-          </a:xfrm>
-          <a:prstGeom prst="roundRect">
-            <a:avLst>
-              <a:gd name="adj" fmla="val 3867"/>
-            </a:avLst>
-          </a:prstGeom>
-          <a:solidFill>
-            <a:srgbClr val="FFFFFF"/>
-          </a:solidFill>
-          <a:ln>
-            <a:solidFill>
-              <a:schemeClr val="accent5">
-                <a:lumMod val="20000"/>
-                <a:lumOff val="80000"/>
-              </a:schemeClr>
-            </a:solidFill>
-          </a:ln>
-          <a:effectLst/>
-          <a:extLst/>
-        </p:spPr>
-      </p:pic>
     </p:spTree>
     <p:extLst>
       <p:ext uri="{BB962C8B-B14F-4D97-AF65-F5344CB8AC3E}">
-        <p14:creationId xmlns:p14="http://schemas.microsoft.com/office/powerpoint/2010/main" val="4174756272"/>
+        <p14:creationId xmlns:p14="http://schemas.microsoft.com/office/powerpoint/2010/main" val="503145827"/>
       </p:ext>
     </p:extLst>
   </p:cSld>
